--- a/Presentations/Lesson 03 Conditional statements.pptx
+++ b/Presentations/Lesson 03 Conditional statements.pptx
@@ -15093,7 +15093,7 @@
               <a:buNone/>
             </a:pPr>
             <a:r>
-              <a:rPr lang="en-US" sz="1800" b="1" i="0" u="none" strike="noStrike" cap="none">
+              <a:rPr lang="en-US" sz="1800" b="1" i="0" u="none" strike="noStrike" cap="none" dirty="0">
                 <a:solidFill>
                   <a:srgbClr val="FBEEDC"/>
                 </a:solidFill>
@@ -15102,22 +15102,10 @@
                 <a:cs typeface="Consolas"/>
                 <a:sym typeface="Consolas"/>
               </a:rPr>
-              <a:t>string s = Console.ReadLine();</a:t>
-            </a:r>
-            <a:endParaRPr/>
-          </a:p>
-          <a:p>
-            <a:pPr marL="0" marR="0" lvl="0" indent="0" algn="l" rtl="0">
-              <a:spcBef>
-                <a:spcPts val="0"/>
-              </a:spcBef>
-              <a:spcAft>
-                <a:spcPts val="0"/>
-              </a:spcAft>
-              <a:buNone/>
-            </a:pPr>
-            <a:r>
-              <a:rPr lang="en-US" sz="1800" b="1" i="0" u="none" strike="noStrike" cap="none">
+              <a:t>string s = </a:t>
+            </a:r>
+            <a:r>
+              <a:rPr lang="en-US" sz="1800" b="1" i="0" u="none" strike="noStrike" cap="none" dirty="0" err="1">
                 <a:solidFill>
                   <a:srgbClr val="FBEEDC"/>
                 </a:solidFill>
@@ -15126,9 +15114,21 @@
                 <a:cs typeface="Consolas"/>
                 <a:sym typeface="Consolas"/>
               </a:rPr>
-              <a:t>int number = int.Parse(s);</a:t>
-            </a:r>
-            <a:endParaRPr/>
+              <a:t>Console.ReadLine</a:t>
+            </a:r>
+            <a:r>
+              <a:rPr lang="en-US" sz="1800" b="1" i="0" u="none" strike="noStrike" cap="none" dirty="0">
+                <a:solidFill>
+                  <a:srgbClr val="FBEEDC"/>
+                </a:solidFill>
+                <a:latin typeface="Consolas"/>
+                <a:ea typeface="Consolas"/>
+                <a:cs typeface="Consolas"/>
+                <a:sym typeface="Consolas"/>
+              </a:rPr>
+              <a:t>();</a:t>
+            </a:r>
+            <a:endParaRPr dirty="0"/>
           </a:p>
           <a:p>
             <a:pPr marL="0" marR="0" lvl="0" indent="0" algn="l" rtl="0">
@@ -15140,7 +15140,55 @@
               </a:spcAft>
               <a:buNone/>
             </a:pPr>
-            <a:endParaRPr sz="1800" b="1" i="0" u="none" strike="noStrike" cap="none">
+            <a:r>
+              <a:rPr lang="en-US" sz="1800" b="1" i="0" u="none" strike="noStrike" cap="none" dirty="0">
+                <a:solidFill>
+                  <a:srgbClr val="FBEEDC"/>
+                </a:solidFill>
+                <a:latin typeface="Consolas"/>
+                <a:ea typeface="Consolas"/>
+                <a:cs typeface="Consolas"/>
+                <a:sym typeface="Consolas"/>
+              </a:rPr>
+              <a:t>int number = </a:t>
+            </a:r>
+            <a:r>
+              <a:rPr lang="en-US" sz="1800" b="1" i="0" u="none" strike="noStrike" cap="none" dirty="0" err="1">
+                <a:solidFill>
+                  <a:srgbClr val="FBEEDC"/>
+                </a:solidFill>
+                <a:latin typeface="Consolas"/>
+                <a:ea typeface="Consolas"/>
+                <a:cs typeface="Consolas"/>
+                <a:sym typeface="Consolas"/>
+              </a:rPr>
+              <a:t>int.Parse</a:t>
+            </a:r>
+            <a:r>
+              <a:rPr lang="en-US" sz="1800" b="1" i="0" u="none" strike="noStrike" cap="none" dirty="0">
+                <a:solidFill>
+                  <a:srgbClr val="FBEEDC"/>
+                </a:solidFill>
+                <a:latin typeface="Consolas"/>
+                <a:ea typeface="Consolas"/>
+                <a:cs typeface="Consolas"/>
+                <a:sym typeface="Consolas"/>
+              </a:rPr>
+              <a:t>(s);</a:t>
+            </a:r>
+            <a:endParaRPr dirty="0"/>
+          </a:p>
+          <a:p>
+            <a:pPr marL="0" marR="0" lvl="0" indent="0" algn="l" rtl="0">
+              <a:spcBef>
+                <a:spcPts val="0"/>
+              </a:spcBef>
+              <a:spcAft>
+                <a:spcPts val="0"/>
+              </a:spcAft>
+              <a:buNone/>
+            </a:pPr>
+            <a:endParaRPr sz="1800" b="1" i="0" u="none" strike="noStrike" cap="none" dirty="0">
               <a:solidFill>
                 <a:srgbClr val="FBEEDC"/>
               </a:solidFill>
@@ -15161,7 +15209,7 @@
               <a:buNone/>
             </a:pPr>
             <a:r>
-              <a:rPr lang="en-US" sz="1800" b="1" i="0" u="none" strike="noStrike" cap="none">
+              <a:rPr lang="en-US" sz="1800" b="1" i="0" u="none" strike="noStrike" cap="none" dirty="0">
                 <a:solidFill>
                   <a:srgbClr val="FBEEDC"/>
                 </a:solidFill>
@@ -15172,7 +15220,7 @@
               </a:rPr>
               <a:t>if (number % 2 == 0)</a:t>
             </a:r>
-            <a:endParaRPr/>
+            <a:endParaRPr dirty="0"/>
           </a:p>
           <a:p>
             <a:pPr marL="0" marR="0" lvl="0" indent="0" algn="l" rtl="0">
@@ -15185,7 +15233,7 @@
               <a:buNone/>
             </a:pPr>
             <a:r>
-              <a:rPr lang="en-US" sz="1800" b="1" i="0" u="none" strike="noStrike" cap="none">
+              <a:rPr lang="en-US" sz="1800" b="1" i="0" u="none" strike="noStrike" cap="none" dirty="0">
                 <a:solidFill>
                   <a:srgbClr val="FBEEDC"/>
                 </a:solidFill>
@@ -15196,7 +15244,7 @@
               </a:rPr>
               <a:t>{</a:t>
             </a:r>
-            <a:endParaRPr/>
+            <a:endParaRPr dirty="0"/>
           </a:p>
           <a:p>
             <a:pPr marL="0" marR="0" lvl="0" indent="0" algn="l" rtl="0">
@@ -15209,7 +15257,7 @@
               <a:buNone/>
             </a:pPr>
             <a:r>
-              <a:rPr lang="en-US" sz="1800" b="1" i="0" u="none" strike="noStrike" cap="none">
+              <a:rPr lang="en-US" sz="1800" b="1" i="0" u="none" strike="noStrike" cap="none" dirty="0">
                 <a:solidFill>
                   <a:srgbClr val="FBEEDC"/>
                 </a:solidFill>
@@ -15218,22 +15266,10 @@
                 <a:cs typeface="Consolas"/>
                 <a:sym typeface="Consolas"/>
               </a:rPr>
-              <a:t>    Console.WriteLine("This number is even.");</a:t>
-            </a:r>
-            <a:endParaRPr/>
-          </a:p>
-          <a:p>
-            <a:pPr marL="0" marR="0" lvl="0" indent="0" algn="l" rtl="0">
-              <a:spcBef>
-                <a:spcPts val="0"/>
-              </a:spcBef>
-              <a:spcAft>
-                <a:spcPts val="0"/>
-              </a:spcAft>
-              <a:buNone/>
-            </a:pPr>
-            <a:r>
-              <a:rPr lang="en-US" sz="1800" b="1" i="0" u="none" strike="noStrike" cap="none">
+              <a:t>    </a:t>
+            </a:r>
+            <a:r>
+              <a:rPr lang="en-US" sz="1800" b="1" i="0" u="none" strike="noStrike" cap="none" dirty="0" err="1">
                 <a:solidFill>
                   <a:srgbClr val="FBEEDC"/>
                 </a:solidFill>
@@ -15242,22 +15278,10 @@
                 <a:cs typeface="Consolas"/>
                 <a:sym typeface="Consolas"/>
               </a:rPr>
-              <a:t>}</a:t>
-            </a:r>
-            <a:endParaRPr/>
-          </a:p>
-          <a:p>
-            <a:pPr marL="0" marR="0" lvl="0" indent="0" algn="l" rtl="0">
-              <a:spcBef>
-                <a:spcPts val="0"/>
-              </a:spcBef>
-              <a:spcAft>
-                <a:spcPts val="0"/>
-              </a:spcAft>
-              <a:buNone/>
-            </a:pPr>
-            <a:r>
-              <a:rPr lang="en-US" sz="1800" b="1" i="0" u="none" strike="noStrike" cap="none">
+              <a:t>Console.WriteLine</a:t>
+            </a:r>
+            <a:r>
+              <a:rPr lang="en-US" sz="1800" b="1" i="0" u="none" strike="noStrike" cap="none" dirty="0">
                 <a:solidFill>
                   <a:srgbClr val="FBEEDC"/>
                 </a:solidFill>
@@ -15266,9 +15290,9 @@
                 <a:cs typeface="Consolas"/>
                 <a:sym typeface="Consolas"/>
               </a:rPr>
-              <a:t>else</a:t>
-            </a:r>
-            <a:endParaRPr/>
+              <a:t>("This number is even.");</a:t>
+            </a:r>
+            <a:endParaRPr dirty="0"/>
           </a:p>
           <a:p>
             <a:pPr marL="0" marR="0" lvl="0" indent="0" algn="l" rtl="0">
@@ -15281,7 +15305,7 @@
               <a:buNone/>
             </a:pPr>
             <a:r>
-              <a:rPr lang="en-US" sz="1800" b="1" i="0" u="none" strike="noStrike" cap="none">
+              <a:rPr lang="en-US" sz="1800" b="1" i="0" u="none" strike="noStrike" cap="none" dirty="0">
                 <a:solidFill>
                   <a:srgbClr val="FBEEDC"/>
                 </a:solidFill>
@@ -15290,9 +15314,9 @@
                 <a:cs typeface="Consolas"/>
                 <a:sym typeface="Consolas"/>
               </a:rPr>
-              <a:t>{</a:t>
-            </a:r>
-            <a:endParaRPr/>
+              <a:t>}</a:t>
+            </a:r>
+            <a:endParaRPr dirty="0"/>
           </a:p>
           <a:p>
             <a:pPr marL="0" marR="0" lvl="0" indent="0" algn="l" rtl="0">
@@ -15305,7 +15329,7 @@
               <a:buNone/>
             </a:pPr>
             <a:r>
-              <a:rPr lang="en-US" sz="1800" b="1" i="0" u="none" strike="noStrike" cap="none">
+              <a:rPr lang="en-US" sz="1800" b="1" i="0" u="none" strike="noStrike" cap="none" dirty="0">
                 <a:solidFill>
                   <a:srgbClr val="FBEEDC"/>
                 </a:solidFill>
@@ -15314,9 +15338,9 @@
                 <a:cs typeface="Consolas"/>
                 <a:sym typeface="Consolas"/>
               </a:rPr>
-              <a:t>    Console.WriteLine("This number is odd.");</a:t>
-            </a:r>
-            <a:endParaRPr/>
+              <a:t>else</a:t>
+            </a:r>
+            <a:endParaRPr dirty="0"/>
           </a:p>
           <a:p>
             <a:pPr marL="0" marR="0" lvl="0" indent="0" algn="l" rtl="0">
@@ -15329,7 +15353,7 @@
               <a:buNone/>
             </a:pPr>
             <a:r>
-              <a:rPr lang="en-US" sz="1800" b="1" i="0" u="none" strike="noStrike" cap="none">
+              <a:rPr lang="en-US" sz="1800" b="1" i="0" u="none" strike="noStrike" cap="none" dirty="0">
                 <a:solidFill>
                   <a:srgbClr val="FBEEDC"/>
                 </a:solidFill>
@@ -15338,9 +15362,81 @@
                 <a:cs typeface="Consolas"/>
                 <a:sym typeface="Consolas"/>
               </a:rPr>
+              <a:t>{</a:t>
+            </a:r>
+            <a:endParaRPr dirty="0"/>
+          </a:p>
+          <a:p>
+            <a:pPr marL="0" marR="0" lvl="0" indent="0" algn="l" rtl="0">
+              <a:spcBef>
+                <a:spcPts val="0"/>
+              </a:spcBef>
+              <a:spcAft>
+                <a:spcPts val="0"/>
+              </a:spcAft>
+              <a:buNone/>
+            </a:pPr>
+            <a:r>
+              <a:rPr lang="en-US" sz="1800" b="1" i="0" u="none" strike="noStrike" cap="none" dirty="0">
+                <a:solidFill>
+                  <a:srgbClr val="FBEEDC"/>
+                </a:solidFill>
+                <a:latin typeface="Consolas"/>
+                <a:ea typeface="Consolas"/>
+                <a:cs typeface="Consolas"/>
+                <a:sym typeface="Consolas"/>
+              </a:rPr>
+              <a:t>    </a:t>
+            </a:r>
+            <a:r>
+              <a:rPr lang="en-US" sz="1800" b="1" i="0" u="none" strike="noStrike" cap="none" dirty="0" err="1">
+                <a:solidFill>
+                  <a:srgbClr val="FBEEDC"/>
+                </a:solidFill>
+                <a:latin typeface="Consolas"/>
+                <a:ea typeface="Consolas"/>
+                <a:cs typeface="Consolas"/>
+                <a:sym typeface="Consolas"/>
+              </a:rPr>
+              <a:t>Console.WriteLine</a:t>
+            </a:r>
+            <a:r>
+              <a:rPr lang="en-US" sz="1800" b="1" i="0" u="none" strike="noStrike" cap="none" dirty="0">
+                <a:solidFill>
+                  <a:srgbClr val="FBEEDC"/>
+                </a:solidFill>
+                <a:latin typeface="Consolas"/>
+                <a:ea typeface="Consolas"/>
+                <a:cs typeface="Consolas"/>
+                <a:sym typeface="Consolas"/>
+              </a:rPr>
+              <a:t>("This number is odd.");</a:t>
+            </a:r>
+            <a:endParaRPr dirty="0"/>
+          </a:p>
+          <a:p>
+            <a:pPr marL="0" marR="0" lvl="0" indent="0" algn="l" rtl="0">
+              <a:spcBef>
+                <a:spcPts val="0"/>
+              </a:spcBef>
+              <a:spcAft>
+                <a:spcPts val="0"/>
+              </a:spcAft>
+              <a:buNone/>
+            </a:pPr>
+            <a:r>
+              <a:rPr lang="en-US" sz="1800" b="1" i="0" u="none" strike="noStrike" cap="none" dirty="0">
+                <a:solidFill>
+                  <a:srgbClr val="FBEEDC"/>
+                </a:solidFill>
+                <a:latin typeface="Consolas"/>
+                <a:ea typeface="Consolas"/>
+                <a:cs typeface="Consolas"/>
+                <a:sym typeface="Consolas"/>
+              </a:rPr>
               <a:t>}</a:t>
             </a:r>
-            <a:endParaRPr/>
+            <a:endParaRPr dirty="0"/>
           </a:p>
         </p:txBody>
       </p:sp>
@@ -15416,7 +15512,7 @@
               <a:buChar char="•"/>
             </a:pPr>
             <a:r>
-              <a:rPr lang="en-US" sz="3200" b="1" i="0" u="none" strike="noStrike" cap="none">
+              <a:rPr lang="en-US" sz="3200" b="1" i="0" u="none" strike="noStrike" cap="none" dirty="0">
                 <a:solidFill>
                   <a:schemeClr val="accent2"/>
                 </a:solidFill>
@@ -15428,7 +15524,7 @@
               <a:t>if</a:t>
             </a:r>
             <a:r>
-              <a:rPr lang="en-US" sz="3200" b="0" i="1" u="none" strike="noStrike" cap="none">
+              <a:rPr lang="en-US" sz="3200" b="0" i="1" u="none" strike="noStrike" cap="none" dirty="0">
                 <a:solidFill>
                   <a:srgbClr val="D8D8D8"/>
                 </a:solidFill>
@@ -15440,7 +15536,7 @@
               <a:t> </a:t>
             </a:r>
             <a:r>
-              <a:rPr lang="en-US" sz="3200" b="0" i="0" u="none" strike="noStrike" cap="none">
+              <a:rPr lang="en-US" sz="3200" b="0" i="0" u="none" strike="noStrike" cap="none" dirty="0">
                 <a:solidFill>
                   <a:srgbClr val="D8D8D8"/>
                 </a:solidFill>
@@ -15452,7 +15548,7 @@
               <a:t>and </a:t>
             </a:r>
             <a:r>
-              <a:rPr lang="en-US" sz="3200" b="1" i="0" u="none" strike="noStrike" cap="none">
+              <a:rPr lang="en-US" sz="3200" b="1" i="0" u="none" strike="noStrike" cap="none" dirty="0">
                 <a:solidFill>
                   <a:schemeClr val="accent2"/>
                 </a:solidFill>
@@ -15464,7 +15560,7 @@
               <a:t>if-else</a:t>
             </a:r>
             <a:r>
-              <a:rPr lang="en-US" sz="3200" b="0" i="0" u="none" strike="noStrike" cap="none">
+              <a:rPr lang="en-US" sz="3200" b="0" i="0" u="none" strike="noStrike" cap="none" dirty="0">
                 <a:solidFill>
                   <a:srgbClr val="D8D8D8"/>
                 </a:solidFill>
@@ -15476,7 +15572,7 @@
               <a:t> statements can be </a:t>
             </a:r>
             <a:r>
-              <a:rPr lang="en-US" sz="3200" b="0" i="0" u="none" strike="noStrike" cap="none">
+              <a:rPr lang="en-US" sz="3200" b="0" i="0" u="none" strike="noStrike" cap="none" dirty="0">
                 <a:solidFill>
                   <a:srgbClr val="A5A5A5"/>
                 </a:solidFill>
@@ -15487,7 +15583,7 @@
               </a:rPr>
               <a:t>nested</a:t>
             </a:r>
-            <a:endParaRPr/>
+            <a:endParaRPr dirty="0"/>
           </a:p>
           <a:p>
             <a:pPr marL="594360" marR="0" lvl="1" indent="-228600" algn="l" rtl="0">
@@ -15508,7 +15604,7 @@
               <a:buChar char="•"/>
             </a:pPr>
             <a:r>
-              <a:rPr lang="en-US" sz="3000" b="0" i="0" u="none" strike="noStrike" cap="none">
+              <a:rPr lang="en-US" sz="3000" b="0" i="0" u="none" strike="noStrike" cap="none" dirty="0">
                 <a:solidFill>
                   <a:srgbClr val="D8D8D8"/>
                 </a:solidFill>
@@ -15519,7 +15615,7 @@
               </a:rPr>
               <a:t>Used inside one inside another</a:t>
             </a:r>
-            <a:endParaRPr/>
+            <a:endParaRPr dirty="0"/>
           </a:p>
           <a:p>
             <a:pPr marL="228600" marR="0" lvl="0" indent="-228600" algn="l" rtl="0">
@@ -15540,7 +15636,7 @@
               <a:buChar char="•"/>
             </a:pPr>
             <a:r>
-              <a:rPr lang="en-US" sz="3200" b="0" i="0" u="none" strike="noStrike" cap="none">
+              <a:rPr lang="en-US" sz="3200" b="0" i="0" u="none" strike="noStrike" cap="none" dirty="0">
                 <a:solidFill>
                   <a:srgbClr val="D8D8D8"/>
                 </a:solidFill>
@@ -15552,7 +15648,7 @@
               <a:t>Each </a:t>
             </a:r>
             <a:r>
-              <a:rPr lang="en-US" sz="3200" b="1" i="0" u="none" strike="noStrike" cap="none">
+              <a:rPr lang="en-US" sz="3200" b="1" i="0" u="none" strike="noStrike" cap="none" dirty="0">
                 <a:solidFill>
                   <a:schemeClr val="accent2"/>
                 </a:solidFill>
@@ -15564,7 +15660,7 @@
               <a:t>else</a:t>
             </a:r>
             <a:r>
-              <a:rPr lang="en-US" sz="3200" b="0" i="0" u="none" strike="noStrike" cap="none">
+              <a:rPr lang="en-US" sz="3200" b="0" i="0" u="none" strike="noStrike" cap="none" dirty="0">
                 <a:solidFill>
                   <a:srgbClr val="D8D8D8"/>
                 </a:solidFill>
@@ -15576,7 +15672,7 @@
               <a:t> corresponds to its closest preceding </a:t>
             </a:r>
             <a:r>
-              <a:rPr lang="en-US" sz="3200" b="1" i="0" u="none" strike="noStrike" cap="none">
+              <a:rPr lang="en-US" sz="3200" b="1" i="0" u="none" strike="noStrike" cap="none" dirty="0">
                 <a:solidFill>
                   <a:schemeClr val="accent2"/>
                 </a:solidFill>
@@ -15587,7 +15683,7 @@
               </a:rPr>
               <a:t>if</a:t>
             </a:r>
-            <a:endParaRPr sz="3200" b="1" i="0" u="none" strike="noStrike" cap="none">
+            <a:endParaRPr sz="3200" b="1" i="0" u="none" strike="noStrike" cap="none" dirty="0">
               <a:solidFill>
                 <a:schemeClr val="accent2"/>
               </a:solidFill>
@@ -15706,7 +15802,7 @@
               <a:buNone/>
             </a:pPr>
             <a:r>
-              <a:rPr lang="en-US" sz="1800" b="1" i="0" u="none" strike="noStrike" cap="none">
+              <a:rPr lang="en-US" sz="1800" b="1" i="0" u="none" strike="noStrike" cap="none" dirty="0">
                 <a:solidFill>
                   <a:srgbClr val="FBEEDC"/>
                 </a:solidFill>
@@ -15715,9 +15811,9 @@
                 <a:cs typeface="Consolas"/>
                 <a:sym typeface="Consolas"/>
               </a:rPr>
-              <a:t>if (expression) </a:t>
-            </a:r>
-            <a:endParaRPr/>
+              <a:t>if (expression1) </a:t>
+            </a:r>
+            <a:endParaRPr dirty="0"/>
           </a:p>
           <a:p>
             <a:pPr marL="0" marR="0" lvl="0" indent="0" algn="l" rtl="0">
@@ -15730,7 +15826,7 @@
               <a:buNone/>
             </a:pPr>
             <a:r>
-              <a:rPr lang="en-US" sz="1800" b="1" i="0" u="none" strike="noStrike" cap="none">
+              <a:rPr lang="en-US" sz="1800" b="1" i="0" u="none" strike="noStrike" cap="none" dirty="0">
                 <a:solidFill>
                   <a:srgbClr val="FBEEDC"/>
                 </a:solidFill>
@@ -15741,7 +15837,7 @@
               </a:rPr>
               <a:t>{</a:t>
             </a:r>
-            <a:endParaRPr/>
+            <a:endParaRPr dirty="0"/>
           </a:p>
           <a:p>
             <a:pPr marL="0" marR="0" lvl="0" indent="0" algn="l" rtl="0">
@@ -15754,7 +15850,7 @@
               <a:buNone/>
             </a:pPr>
             <a:r>
-              <a:rPr lang="en-US" sz="1800" b="1" i="0" u="none" strike="noStrike" cap="none">
+              <a:rPr lang="en-US" sz="1800" b="1" i="0" u="none" strike="noStrike" cap="none" dirty="0">
                 <a:solidFill>
                   <a:srgbClr val="FBEEDC"/>
                 </a:solidFill>
@@ -15763,9 +15859,9 @@
                 <a:cs typeface="Consolas"/>
                 <a:sym typeface="Consolas"/>
               </a:rPr>
-              <a:t>    if (expression) </a:t>
-            </a:r>
-            <a:endParaRPr/>
+              <a:t>    if (expression2) </a:t>
+            </a:r>
+            <a:endParaRPr dirty="0"/>
           </a:p>
           <a:p>
             <a:pPr marL="0" marR="0" lvl="0" indent="0" algn="l" rtl="0">
@@ -15778,7 +15874,7 @@
               <a:buNone/>
             </a:pPr>
             <a:r>
-              <a:rPr lang="en-US" sz="1800" b="1" i="0" u="none" strike="noStrike" cap="none">
+              <a:rPr lang="en-US" sz="1800" b="1" i="0" u="none" strike="noStrike" cap="none" dirty="0">
                 <a:solidFill>
                   <a:srgbClr val="FBEEDC"/>
                 </a:solidFill>
@@ -15787,22 +15883,10 @@
                 <a:cs typeface="Consolas"/>
                 <a:sym typeface="Consolas"/>
               </a:rPr>
-              <a:t>        some_statement;</a:t>
-            </a:r>
-            <a:endParaRPr/>
-          </a:p>
-          <a:p>
-            <a:pPr marL="0" marR="0" lvl="0" indent="0" algn="l" rtl="0">
-              <a:spcBef>
-                <a:spcPts val="0"/>
-              </a:spcBef>
-              <a:spcAft>
-                <a:spcPts val="0"/>
-              </a:spcAft>
-              <a:buNone/>
-            </a:pPr>
-            <a:r>
-              <a:rPr lang="en-US" sz="1800" b="1" i="0" u="none" strike="noStrike" cap="none">
+              <a:t>        </a:t>
+            </a:r>
+            <a:r>
+              <a:rPr lang="en-US" sz="1800" b="1" i="0" u="none" strike="noStrike" cap="none" dirty="0" err="1">
                 <a:solidFill>
                   <a:srgbClr val="FBEEDC"/>
                 </a:solidFill>
@@ -15811,22 +15895,10 @@
                 <a:cs typeface="Consolas"/>
                 <a:sym typeface="Consolas"/>
               </a:rPr>
-              <a:t>    else </a:t>
-            </a:r>
-            <a:endParaRPr/>
-          </a:p>
-          <a:p>
-            <a:pPr marL="0" marR="0" lvl="0" indent="0" algn="l" rtl="0">
-              <a:spcBef>
-                <a:spcPts val="0"/>
-              </a:spcBef>
-              <a:spcAft>
-                <a:spcPts val="0"/>
-              </a:spcAft>
-              <a:buNone/>
-            </a:pPr>
-            <a:r>
-              <a:rPr lang="en-US" sz="1800" b="1" i="0" u="none" strike="noStrike" cap="none">
+              <a:t>some_statement</a:t>
+            </a:r>
+            <a:r>
+              <a:rPr lang="en-US" sz="1800" b="1" i="0" u="none" strike="noStrike" cap="none" dirty="0">
                 <a:solidFill>
                   <a:srgbClr val="FBEEDC"/>
                 </a:solidFill>
@@ -15835,9 +15907,9 @@
                 <a:cs typeface="Consolas"/>
                 <a:sym typeface="Consolas"/>
               </a:rPr>
-              <a:t>        another_statement;</a:t>
-            </a:r>
-            <a:endParaRPr/>
+              <a:t>;</a:t>
+            </a:r>
+            <a:endParaRPr dirty="0"/>
           </a:p>
           <a:p>
             <a:pPr marL="0" marR="0" lvl="0" indent="0" algn="l" rtl="0">
@@ -15850,7 +15922,7 @@
               <a:buNone/>
             </a:pPr>
             <a:r>
-              <a:rPr lang="en-US" sz="1800" b="1" i="0" u="none" strike="noStrike" cap="none">
+              <a:rPr lang="en-US" sz="1800" b="1" i="0" u="none" strike="noStrike" cap="none" dirty="0">
                 <a:solidFill>
                   <a:srgbClr val="FBEEDC"/>
                 </a:solidFill>
@@ -15859,9 +15931,9 @@
                 <a:cs typeface="Consolas"/>
                 <a:sym typeface="Consolas"/>
               </a:rPr>
-              <a:t>}</a:t>
-            </a:r>
-            <a:endParaRPr/>
+              <a:t>    else </a:t>
+            </a:r>
+            <a:endParaRPr dirty="0"/>
           </a:p>
           <a:p>
             <a:pPr marL="0" marR="0" lvl="0" indent="0" algn="l" rtl="0">
@@ -15874,7 +15946,7 @@
               <a:buNone/>
             </a:pPr>
             <a:r>
-              <a:rPr lang="en-US" sz="1800" b="1" i="0" u="none" strike="noStrike" cap="none">
+              <a:rPr lang="en-US" sz="1800" b="1" i="0" u="none" strike="noStrike" cap="none" dirty="0">
                 <a:solidFill>
                   <a:srgbClr val="FBEEDC"/>
                 </a:solidFill>
@@ -15883,22 +15955,10 @@
                 <a:cs typeface="Consolas"/>
                 <a:sym typeface="Consolas"/>
               </a:rPr>
-              <a:t>else</a:t>
-            </a:r>
-            <a:endParaRPr/>
-          </a:p>
-          <a:p>
-            <a:pPr marL="0" marR="0" lvl="0" indent="0" algn="l" rtl="0">
-              <a:spcBef>
-                <a:spcPts val="0"/>
-              </a:spcBef>
-              <a:spcAft>
-                <a:spcPts val="0"/>
-              </a:spcAft>
-              <a:buNone/>
-            </a:pPr>
-            <a:r>
-              <a:rPr lang="en-US" sz="1800" b="1" i="0" u="none" strike="noStrike" cap="none">
+              <a:t>        </a:t>
+            </a:r>
+            <a:r>
+              <a:rPr lang="en-US" sz="1800" b="1" i="0" u="none" strike="noStrike" cap="none" dirty="0" err="1">
                 <a:solidFill>
                   <a:srgbClr val="FBEEDC"/>
                 </a:solidFill>
@@ -15907,9 +15967,117 @@
                 <a:cs typeface="Consolas"/>
                 <a:sym typeface="Consolas"/>
               </a:rPr>
-              <a:t>    third_statement;</a:t>
-            </a:r>
-            <a:endParaRPr/>
+              <a:t>another_statement</a:t>
+            </a:r>
+            <a:r>
+              <a:rPr lang="en-US" sz="1800" b="1" i="0" u="none" strike="noStrike" cap="none" dirty="0">
+                <a:solidFill>
+                  <a:srgbClr val="FBEEDC"/>
+                </a:solidFill>
+                <a:latin typeface="Consolas"/>
+                <a:ea typeface="Consolas"/>
+                <a:cs typeface="Consolas"/>
+                <a:sym typeface="Consolas"/>
+              </a:rPr>
+              <a:t>;</a:t>
+            </a:r>
+            <a:endParaRPr dirty="0"/>
+          </a:p>
+          <a:p>
+            <a:pPr marL="0" marR="0" lvl="0" indent="0" algn="l" rtl="0">
+              <a:spcBef>
+                <a:spcPts val="0"/>
+              </a:spcBef>
+              <a:spcAft>
+                <a:spcPts val="0"/>
+              </a:spcAft>
+              <a:buNone/>
+            </a:pPr>
+            <a:r>
+              <a:rPr lang="en-US" sz="1800" b="1" i="0" u="none" strike="noStrike" cap="none" dirty="0">
+                <a:solidFill>
+                  <a:srgbClr val="FBEEDC"/>
+                </a:solidFill>
+                <a:latin typeface="Consolas"/>
+                <a:ea typeface="Consolas"/>
+                <a:cs typeface="Consolas"/>
+                <a:sym typeface="Consolas"/>
+              </a:rPr>
+              <a:t>}</a:t>
+            </a:r>
+            <a:endParaRPr dirty="0"/>
+          </a:p>
+          <a:p>
+            <a:pPr marL="0" marR="0" lvl="0" indent="0" algn="l" rtl="0">
+              <a:spcBef>
+                <a:spcPts val="0"/>
+              </a:spcBef>
+              <a:spcAft>
+                <a:spcPts val="0"/>
+              </a:spcAft>
+              <a:buNone/>
+            </a:pPr>
+            <a:r>
+              <a:rPr lang="en-US" sz="1800" b="1" i="0" u="none" strike="noStrike" cap="none" dirty="0">
+                <a:solidFill>
+                  <a:srgbClr val="FBEEDC"/>
+                </a:solidFill>
+                <a:latin typeface="Consolas"/>
+                <a:ea typeface="Consolas"/>
+                <a:cs typeface="Consolas"/>
+                <a:sym typeface="Consolas"/>
+              </a:rPr>
+              <a:t>else</a:t>
+            </a:r>
+            <a:endParaRPr dirty="0"/>
+          </a:p>
+          <a:p>
+            <a:pPr marL="0" marR="0" lvl="0" indent="0" algn="l" rtl="0">
+              <a:spcBef>
+                <a:spcPts val="0"/>
+              </a:spcBef>
+              <a:spcAft>
+                <a:spcPts val="0"/>
+              </a:spcAft>
+              <a:buNone/>
+            </a:pPr>
+            <a:r>
+              <a:rPr lang="en-US" sz="1800" b="1" i="0" u="none" strike="noStrike" cap="none" dirty="0">
+                <a:solidFill>
+                  <a:srgbClr val="FBEEDC"/>
+                </a:solidFill>
+                <a:latin typeface="Consolas"/>
+                <a:ea typeface="Consolas"/>
+                <a:cs typeface="Consolas"/>
+                <a:sym typeface="Consolas"/>
+              </a:rPr>
+              <a:t>    </a:t>
+            </a:r>
+            <a:r>
+              <a:rPr lang="en-US" sz="1800" b="1" i="0" u="none" strike="noStrike" cap="none" dirty="0" err="1">
+                <a:solidFill>
+                  <a:srgbClr val="FBEEDC"/>
+                </a:solidFill>
+                <a:latin typeface="Consolas"/>
+                <a:ea typeface="Consolas"/>
+                <a:cs typeface="Consolas"/>
+                <a:sym typeface="Consolas"/>
+              </a:rPr>
+              <a:t>third_statement</a:t>
+            </a:r>
+            <a:r>
+              <a:rPr lang="en-US" sz="1800" b="1" i="0" u="none" strike="noStrike" cap="none" dirty="0">
+                <a:solidFill>
+                  <a:srgbClr val="FBEEDC"/>
+                </a:solidFill>
+                <a:latin typeface="Consolas"/>
+                <a:ea typeface="Consolas"/>
+                <a:cs typeface="Consolas"/>
+                <a:sym typeface="Consolas"/>
+              </a:rPr>
+              <a:t>;</a:t>
+            </a:r>
+            <a:endParaRPr dirty="0"/>
           </a:p>
         </p:txBody>
       </p:sp>
@@ -16481,7 +16649,7 @@
               <a:buNone/>
             </a:pPr>
             <a:r>
-              <a:rPr lang="en-US" sz="1700" b="1" i="0" u="none" strike="noStrike" cap="none">
+              <a:rPr lang="en-US" sz="1700" b="1" i="0" u="none" strike="noStrike" cap="none" dirty="0">
                 <a:solidFill>
                   <a:srgbClr val="FBEEDC"/>
                 </a:solidFill>
@@ -16492,7 +16660,7 @@
               </a:rPr>
               <a:t>if (first == second)</a:t>
             </a:r>
-            <a:endParaRPr sz="1300"/>
+            <a:endParaRPr sz="1300" dirty="0"/>
           </a:p>
           <a:p>
             <a:pPr marL="0" marR="0" lvl="0" indent="0" algn="l" rtl="0">
@@ -16508,7 +16676,7 @@
               <a:buNone/>
             </a:pPr>
             <a:r>
-              <a:rPr lang="en-US" sz="1700" b="1" i="0" u="none" strike="noStrike" cap="none">
+              <a:rPr lang="en-US" sz="1700" b="1" i="0" u="none" strike="noStrike" cap="none" dirty="0">
                 <a:solidFill>
                   <a:srgbClr val="FBEEDC"/>
                 </a:solidFill>
@@ -16519,7 +16687,7 @@
               </a:rPr>
               <a:t>{</a:t>
             </a:r>
-            <a:endParaRPr sz="1300"/>
+            <a:endParaRPr sz="1300" dirty="0"/>
           </a:p>
           <a:p>
             <a:pPr marL="0" marR="0" lvl="0" indent="0" algn="l" rtl="0">
@@ -16535,7 +16703,7 @@
               <a:buNone/>
             </a:pPr>
             <a:r>
-              <a:rPr lang="en-US" sz="1700" b="1" i="0" u="none" strike="noStrike" cap="none">
+              <a:rPr lang="en-US" sz="1700" b="1" i="0" u="none" strike="noStrike" cap="none" dirty="0">
                 <a:solidFill>
                   <a:srgbClr val="FBEEDC"/>
                 </a:solidFill>
@@ -16544,9 +16712,33 @@
                 <a:cs typeface="Consolas"/>
                 <a:sym typeface="Consolas"/>
               </a:rPr>
-              <a:t>    Console.WriteLine("These two numbers are equal.");</a:t>
-            </a:r>
-            <a:endParaRPr sz="1300"/>
+              <a:t>    </a:t>
+            </a:r>
+            <a:r>
+              <a:rPr lang="en-US" sz="1700" b="1" i="0" u="none" strike="noStrike" cap="none" dirty="0" err="1">
+                <a:solidFill>
+                  <a:srgbClr val="FBEEDC"/>
+                </a:solidFill>
+                <a:latin typeface="Consolas"/>
+                <a:ea typeface="Consolas"/>
+                <a:cs typeface="Consolas"/>
+                <a:sym typeface="Consolas"/>
+              </a:rPr>
+              <a:t>Console.WriteLine</a:t>
+            </a:r>
+            <a:r>
+              <a:rPr lang="en-US" sz="1700" b="1" i="0" u="none" strike="noStrike" cap="none" dirty="0">
+                <a:solidFill>
+                  <a:srgbClr val="FBEEDC"/>
+                </a:solidFill>
+                <a:latin typeface="Consolas"/>
+                <a:ea typeface="Consolas"/>
+                <a:cs typeface="Consolas"/>
+                <a:sym typeface="Consolas"/>
+              </a:rPr>
+              <a:t>("These two numbers are equal.");</a:t>
+            </a:r>
+            <a:endParaRPr sz="1300" dirty="0"/>
           </a:p>
           <a:p>
             <a:pPr marL="0" marR="0" lvl="0" indent="0" algn="l" rtl="0">
@@ -16562,7 +16754,7 @@
               <a:buNone/>
             </a:pPr>
             <a:r>
-              <a:rPr lang="en-US" sz="1700" b="1" i="0" u="none" strike="noStrike" cap="none">
+              <a:rPr lang="en-US" sz="1700" b="1" i="0" u="none" strike="noStrike" cap="none" dirty="0">
                 <a:solidFill>
                   <a:srgbClr val="FBEEDC"/>
                 </a:solidFill>
@@ -16573,7 +16765,7 @@
               </a:rPr>
               <a:t>}</a:t>
             </a:r>
-            <a:endParaRPr sz="1300"/>
+            <a:endParaRPr sz="1300" dirty="0"/>
           </a:p>
           <a:p>
             <a:pPr marL="0" marR="0" lvl="0" indent="0" algn="l" rtl="0">
@@ -16589,7 +16781,7 @@
               <a:buNone/>
             </a:pPr>
             <a:r>
-              <a:rPr lang="en-US" sz="1700" b="1" i="0" u="none" strike="noStrike" cap="none">
+              <a:rPr lang="en-US" sz="1700" b="1" i="0" u="none" strike="noStrike" cap="none" dirty="0">
                 <a:solidFill>
                   <a:srgbClr val="FBEEDC"/>
                 </a:solidFill>
@@ -16600,7 +16792,7 @@
               </a:rPr>
               <a:t>else</a:t>
             </a:r>
-            <a:endParaRPr sz="1300"/>
+            <a:endParaRPr sz="1300" dirty="0"/>
           </a:p>
           <a:p>
             <a:pPr marL="0" marR="0" lvl="0" indent="0" algn="l" rtl="0">
@@ -16616,7 +16808,7 @@
               <a:buNone/>
             </a:pPr>
             <a:r>
-              <a:rPr lang="en-US" sz="1700" b="1" i="0" u="none" strike="noStrike" cap="none">
+              <a:rPr lang="en-US" sz="1700" b="1" i="0" u="none" strike="noStrike" cap="none" dirty="0">
                 <a:solidFill>
                   <a:srgbClr val="FBEEDC"/>
                 </a:solidFill>
@@ -16627,7 +16819,7 @@
               </a:rPr>
               <a:t>{</a:t>
             </a:r>
-            <a:endParaRPr sz="1300"/>
+            <a:endParaRPr sz="1300" dirty="0"/>
           </a:p>
           <a:p>
             <a:pPr marL="0" marR="0" lvl="0" indent="0" algn="l" rtl="0">
@@ -16643,7 +16835,7 @@
               <a:buNone/>
             </a:pPr>
             <a:r>
-              <a:rPr lang="en-US" sz="1700" b="1" i="0" u="none" strike="noStrike" cap="none">
+              <a:rPr lang="en-US" sz="1700" b="1" i="0" u="none" strike="noStrike" cap="none" dirty="0">
                 <a:solidFill>
                   <a:srgbClr val="FBEEDC"/>
                 </a:solidFill>
@@ -16654,7 +16846,7 @@
               </a:rPr>
               <a:t>    if (first &gt; second)</a:t>
             </a:r>
-            <a:endParaRPr sz="1300"/>
+            <a:endParaRPr sz="1300" dirty="0"/>
           </a:p>
           <a:p>
             <a:pPr marL="0" marR="0" lvl="0" indent="0" algn="l" rtl="0">
@@ -16670,7 +16862,7 @@
               <a:buNone/>
             </a:pPr>
             <a:r>
-              <a:rPr lang="en-US" sz="1700" b="1" i="0" u="none" strike="noStrike" cap="none">
+              <a:rPr lang="en-US" sz="1700" b="1" i="0" u="none" strike="noStrike" cap="none" dirty="0">
                 <a:solidFill>
                   <a:srgbClr val="FBEEDC"/>
                 </a:solidFill>
@@ -16681,7 +16873,7 @@
               </a:rPr>
               <a:t>    {</a:t>
             </a:r>
-            <a:endParaRPr sz="1300"/>
+            <a:endParaRPr sz="1300" dirty="0"/>
           </a:p>
           <a:p>
             <a:pPr marL="0" marR="0" lvl="0" indent="0" algn="l" rtl="0">
@@ -16697,7 +16889,7 @@
               <a:buNone/>
             </a:pPr>
             <a:r>
-              <a:rPr lang="en-US" sz="1700" b="1" i="0" u="none" strike="noStrike" cap="none">
+              <a:rPr lang="en-US" sz="1700" b="1" i="0" u="none" strike="noStrike" cap="none" dirty="0">
                 <a:solidFill>
                   <a:srgbClr val="FBEEDC"/>
                 </a:solidFill>
@@ -16706,9 +16898,33 @@
                 <a:cs typeface="Consolas"/>
                 <a:sym typeface="Consolas"/>
               </a:rPr>
-              <a:t>        Console.WriteLine("The first number is bigger.");</a:t>
-            </a:r>
-            <a:endParaRPr sz="1300"/>
+              <a:t>        </a:t>
+            </a:r>
+            <a:r>
+              <a:rPr lang="en-US" sz="1700" b="1" i="0" u="none" strike="noStrike" cap="none" dirty="0" err="1">
+                <a:solidFill>
+                  <a:srgbClr val="FBEEDC"/>
+                </a:solidFill>
+                <a:latin typeface="Consolas"/>
+                <a:ea typeface="Consolas"/>
+                <a:cs typeface="Consolas"/>
+                <a:sym typeface="Consolas"/>
+              </a:rPr>
+              <a:t>Console.WriteLine</a:t>
+            </a:r>
+            <a:r>
+              <a:rPr lang="en-US" sz="1700" b="1" i="0" u="none" strike="noStrike" cap="none" dirty="0">
+                <a:solidFill>
+                  <a:srgbClr val="FBEEDC"/>
+                </a:solidFill>
+                <a:latin typeface="Consolas"/>
+                <a:ea typeface="Consolas"/>
+                <a:cs typeface="Consolas"/>
+                <a:sym typeface="Consolas"/>
+              </a:rPr>
+              <a:t>("The first number is bigger.");</a:t>
+            </a:r>
+            <a:endParaRPr sz="1300" dirty="0"/>
           </a:p>
           <a:p>
             <a:pPr marL="0" marR="0" lvl="0" indent="0" algn="l" rtl="0">
@@ -16724,7 +16940,7 @@
               <a:buNone/>
             </a:pPr>
             <a:r>
-              <a:rPr lang="en-US" sz="1700" b="1" i="0" u="none" strike="noStrike" cap="none">
+              <a:rPr lang="en-US" sz="1700" b="1" i="0" u="none" strike="noStrike" cap="none" dirty="0">
                 <a:solidFill>
                   <a:srgbClr val="FBEEDC"/>
                 </a:solidFill>
@@ -16735,7 +16951,7 @@
               </a:rPr>
               <a:t>    }</a:t>
             </a:r>
-            <a:endParaRPr sz="1300"/>
+            <a:endParaRPr sz="1300" dirty="0"/>
           </a:p>
           <a:p>
             <a:pPr marL="0" marR="0" lvl="0" indent="0" algn="l" rtl="0">
@@ -16751,7 +16967,7 @@
               <a:buNone/>
             </a:pPr>
             <a:r>
-              <a:rPr lang="en-US" sz="1700" b="1" i="0" u="none" strike="noStrike" cap="none">
+              <a:rPr lang="en-US" sz="1700" b="1" i="0" u="none" strike="noStrike" cap="none" dirty="0">
                 <a:solidFill>
                   <a:srgbClr val="FBEEDC"/>
                 </a:solidFill>
@@ -16762,7 +16978,7 @@
               </a:rPr>
               <a:t>    else</a:t>
             </a:r>
-            <a:endParaRPr sz="1300"/>
+            <a:endParaRPr sz="1300" dirty="0"/>
           </a:p>
           <a:p>
             <a:pPr marL="0" marR="0" lvl="0" indent="0" algn="l" rtl="0">
@@ -16778,7 +16994,7 @@
               <a:buNone/>
             </a:pPr>
             <a:r>
-              <a:rPr lang="en-US" sz="1700" b="1" i="0" u="none" strike="noStrike" cap="none">
+              <a:rPr lang="en-US" sz="1700" b="1" i="0" u="none" strike="noStrike" cap="none" dirty="0">
                 <a:solidFill>
                   <a:srgbClr val="FBEEDC"/>
                 </a:solidFill>
@@ -16789,7 +17005,7 @@
               </a:rPr>
               <a:t>    {</a:t>
             </a:r>
-            <a:endParaRPr sz="1300"/>
+            <a:endParaRPr sz="1300" dirty="0"/>
           </a:p>
           <a:p>
             <a:pPr marL="0" marR="0" lvl="0" indent="0" algn="l" rtl="0">
@@ -16805,7 +17021,7 @@
               <a:buNone/>
             </a:pPr>
             <a:r>
-              <a:rPr lang="en-US" sz="1700" b="1" i="0" u="none" strike="noStrike" cap="none">
+              <a:rPr lang="en-US" sz="1700" b="1" i="0" u="none" strike="noStrike" cap="none" dirty="0">
                 <a:solidFill>
                   <a:srgbClr val="FBEEDC"/>
                 </a:solidFill>
@@ -16814,9 +17030,33 @@
                 <a:cs typeface="Consolas"/>
                 <a:sym typeface="Consolas"/>
               </a:rPr>
-              <a:t>        Console.WriteLine("The second is bigger.");</a:t>
-            </a:r>
-            <a:endParaRPr sz="1300"/>
+              <a:t>        </a:t>
+            </a:r>
+            <a:r>
+              <a:rPr lang="en-US" sz="1700" b="1" i="0" u="none" strike="noStrike" cap="none" dirty="0" err="1">
+                <a:solidFill>
+                  <a:srgbClr val="FBEEDC"/>
+                </a:solidFill>
+                <a:latin typeface="Consolas"/>
+                <a:ea typeface="Consolas"/>
+                <a:cs typeface="Consolas"/>
+                <a:sym typeface="Consolas"/>
+              </a:rPr>
+              <a:t>Console.WriteLine</a:t>
+            </a:r>
+            <a:r>
+              <a:rPr lang="en-US" sz="1700" b="1" i="0" u="none" strike="noStrike" cap="none" dirty="0">
+                <a:solidFill>
+                  <a:srgbClr val="FBEEDC"/>
+                </a:solidFill>
+                <a:latin typeface="Consolas"/>
+                <a:ea typeface="Consolas"/>
+                <a:cs typeface="Consolas"/>
+                <a:sym typeface="Consolas"/>
+              </a:rPr>
+              <a:t>("The second is bigger.");</a:t>
+            </a:r>
+            <a:endParaRPr sz="1300" dirty="0"/>
           </a:p>
           <a:p>
             <a:pPr marL="0" marR="0" lvl="0" indent="0" algn="l" rtl="0">
@@ -16832,7 +17072,7 @@
               <a:buNone/>
             </a:pPr>
             <a:r>
-              <a:rPr lang="en-US" sz="1700" b="1" i="0" u="none" strike="noStrike" cap="none">
+              <a:rPr lang="en-US" sz="1700" b="1" i="0" u="none" strike="noStrike" cap="none" dirty="0">
                 <a:solidFill>
                   <a:srgbClr val="FBEEDC"/>
                 </a:solidFill>
@@ -16843,7 +17083,7 @@
               </a:rPr>
               <a:t>    }</a:t>
             </a:r>
-            <a:endParaRPr sz="1300"/>
+            <a:endParaRPr sz="1300" dirty="0"/>
           </a:p>
           <a:p>
             <a:pPr marL="0" marR="0" lvl="0" indent="0" algn="l" rtl="0">
@@ -16859,7 +17099,7 @@
               <a:buNone/>
             </a:pPr>
             <a:r>
-              <a:rPr lang="en-US" sz="1700" b="1" i="0" u="none" strike="noStrike" cap="none">
+              <a:rPr lang="en-US" sz="1700" b="1" i="0" u="none" strike="noStrike" cap="none" dirty="0">
                 <a:solidFill>
                   <a:srgbClr val="FBEEDC"/>
                 </a:solidFill>
@@ -16870,7 +17110,7 @@
               </a:rPr>
               <a:t>}</a:t>
             </a:r>
-            <a:endParaRPr sz="1300"/>
+            <a:endParaRPr sz="1300" dirty="0"/>
           </a:p>
         </p:txBody>
       </p:sp>
@@ -17227,7 +17467,7 @@
               <a:buNone/>
             </a:pPr>
             <a:r>
-              <a:rPr lang="en-US" sz="1600" b="1" i="0" u="none" strike="noStrike" cap="none">
+              <a:rPr lang="en-US" sz="1600" b="1" i="0" u="none" strike="noStrike" cap="none" dirty="0">
                 <a:solidFill>
                   <a:srgbClr val="FBEEDC"/>
                 </a:solidFill>
@@ -17236,9 +17476,33 @@
                 <a:cs typeface="Consolas"/>
                 <a:sym typeface="Consolas"/>
               </a:rPr>
-              <a:t>int ch = 'X';</a:t>
-            </a:r>
-            <a:endParaRPr sz="1200"/>
+              <a:t>int </a:t>
+            </a:r>
+            <a:r>
+              <a:rPr lang="en-US" sz="1600" b="1" i="0" u="none" strike="noStrike" cap="none" dirty="0" err="1">
+                <a:solidFill>
+                  <a:srgbClr val="FBEEDC"/>
+                </a:solidFill>
+                <a:latin typeface="Consolas"/>
+                <a:ea typeface="Consolas"/>
+                <a:cs typeface="Consolas"/>
+                <a:sym typeface="Consolas"/>
+              </a:rPr>
+              <a:t>ch</a:t>
+            </a:r>
+            <a:r>
+              <a:rPr lang="en-US" sz="1600" b="1" i="0" u="none" strike="noStrike" cap="none" dirty="0">
+                <a:solidFill>
+                  <a:srgbClr val="FBEEDC"/>
+                </a:solidFill>
+                <a:latin typeface="Consolas"/>
+                <a:ea typeface="Consolas"/>
+                <a:cs typeface="Consolas"/>
+                <a:sym typeface="Consolas"/>
+              </a:rPr>
+              <a:t> = 'X';</a:t>
+            </a:r>
+            <a:endParaRPr sz="1200" dirty="0"/>
           </a:p>
           <a:p>
             <a:pPr marL="0" marR="0" lvl="0" indent="0" algn="l" rtl="0">
@@ -17254,7 +17518,7 @@
               <a:buNone/>
             </a:pPr>
             <a:r>
-              <a:rPr lang="en-US" sz="1600" b="1" i="0" u="none" strike="noStrike" cap="none">
+              <a:rPr lang="en-US" sz="1600" b="1" i="0" u="none" strike="noStrike" cap="none" dirty="0">
                 <a:solidFill>
                   <a:srgbClr val="FBEEDC"/>
                 </a:solidFill>
@@ -17263,9 +17527,57 @@
                 <a:cs typeface="Consolas"/>
                 <a:sym typeface="Consolas"/>
               </a:rPr>
-              <a:t>if (ch == 'A' || ch == 'a')</a:t>
-            </a:r>
-            <a:endParaRPr sz="1200"/>
+              <a:t>if (</a:t>
+            </a:r>
+            <a:r>
+              <a:rPr lang="en-US" sz="1600" b="1" i="0" u="none" strike="noStrike" cap="none" dirty="0" err="1">
+                <a:solidFill>
+                  <a:srgbClr val="FBEEDC"/>
+                </a:solidFill>
+                <a:latin typeface="Consolas"/>
+                <a:ea typeface="Consolas"/>
+                <a:cs typeface="Consolas"/>
+                <a:sym typeface="Consolas"/>
+              </a:rPr>
+              <a:t>ch</a:t>
+            </a:r>
+            <a:r>
+              <a:rPr lang="en-US" sz="1600" b="1" i="0" u="none" strike="noStrike" cap="none" dirty="0">
+                <a:solidFill>
+                  <a:srgbClr val="FBEEDC"/>
+                </a:solidFill>
+                <a:latin typeface="Consolas"/>
+                <a:ea typeface="Consolas"/>
+                <a:cs typeface="Consolas"/>
+                <a:sym typeface="Consolas"/>
+              </a:rPr>
+              <a:t> == 'A' || </a:t>
+            </a:r>
+            <a:r>
+              <a:rPr lang="en-US" sz="1600" b="1" i="0" u="none" strike="noStrike" cap="none" dirty="0" err="1">
+                <a:solidFill>
+                  <a:srgbClr val="FBEEDC"/>
+                </a:solidFill>
+                <a:latin typeface="Consolas"/>
+                <a:ea typeface="Consolas"/>
+                <a:cs typeface="Consolas"/>
+                <a:sym typeface="Consolas"/>
+              </a:rPr>
+              <a:t>ch</a:t>
+            </a:r>
+            <a:r>
+              <a:rPr lang="en-US" sz="1600" b="1" i="0" u="none" strike="noStrike" cap="none" dirty="0">
+                <a:solidFill>
+                  <a:srgbClr val="FBEEDC"/>
+                </a:solidFill>
+                <a:latin typeface="Consolas"/>
+                <a:ea typeface="Consolas"/>
+                <a:cs typeface="Consolas"/>
+                <a:sym typeface="Consolas"/>
+              </a:rPr>
+              <a:t> == 'a')</a:t>
+            </a:r>
+            <a:endParaRPr sz="1200" dirty="0"/>
           </a:p>
           <a:p>
             <a:pPr marL="0" marR="0" lvl="0" indent="0" algn="l" rtl="0">
@@ -17281,7 +17593,7 @@
               <a:buNone/>
             </a:pPr>
             <a:r>
-              <a:rPr lang="en-US" sz="1600" b="1" i="0" u="none" strike="noStrike" cap="none">
+              <a:rPr lang="en-US" sz="1600" b="1" i="0" u="none" strike="noStrike" cap="none" dirty="0">
                 <a:solidFill>
                   <a:srgbClr val="FBEEDC"/>
                 </a:solidFill>
@@ -17292,7 +17604,7 @@
               </a:rPr>
               <a:t>{</a:t>
             </a:r>
-            <a:endParaRPr sz="1200"/>
+            <a:endParaRPr sz="1200" dirty="0"/>
           </a:p>
           <a:p>
             <a:pPr marL="0" marR="0" lvl="0" indent="0" algn="l" rtl="0">
@@ -17308,7 +17620,7 @@
               <a:buNone/>
             </a:pPr>
             <a:r>
-              <a:rPr lang="en-US" sz="1600" b="1" i="0" u="none" strike="noStrike" cap="none">
+              <a:rPr lang="en-US" sz="1600" b="1" i="0" u="none" strike="noStrike" cap="none" dirty="0">
                 <a:solidFill>
                   <a:srgbClr val="FBEEDC"/>
                 </a:solidFill>
@@ -17317,9 +17629,57 @@
                 <a:cs typeface="Consolas"/>
                 <a:sym typeface="Consolas"/>
               </a:rPr>
-              <a:t>    Console.WriteLine("Vowel [ei]");</a:t>
-            </a:r>
-            <a:endParaRPr sz="1200"/>
+              <a:t>    </a:t>
+            </a:r>
+            <a:r>
+              <a:rPr lang="en-US" sz="1600" b="1" i="0" u="none" strike="noStrike" cap="none" dirty="0" err="1">
+                <a:solidFill>
+                  <a:srgbClr val="FBEEDC"/>
+                </a:solidFill>
+                <a:latin typeface="Consolas"/>
+                <a:ea typeface="Consolas"/>
+                <a:cs typeface="Consolas"/>
+                <a:sym typeface="Consolas"/>
+              </a:rPr>
+              <a:t>Console.WriteLine</a:t>
+            </a:r>
+            <a:r>
+              <a:rPr lang="en-US" sz="1600" b="1" i="0" u="none" strike="noStrike" cap="none" dirty="0">
+                <a:solidFill>
+                  <a:srgbClr val="FBEEDC"/>
+                </a:solidFill>
+                <a:latin typeface="Consolas"/>
+                <a:ea typeface="Consolas"/>
+                <a:cs typeface="Consolas"/>
+                <a:sym typeface="Consolas"/>
+              </a:rPr>
+              <a:t>("Vowel [</a:t>
+            </a:r>
+            <a:r>
+              <a:rPr lang="en-US" sz="1600" b="1" i="0" u="none" strike="noStrike" cap="none" dirty="0" err="1">
+                <a:solidFill>
+                  <a:srgbClr val="FBEEDC"/>
+                </a:solidFill>
+                <a:latin typeface="Consolas"/>
+                <a:ea typeface="Consolas"/>
+                <a:cs typeface="Consolas"/>
+                <a:sym typeface="Consolas"/>
+              </a:rPr>
+              <a:t>ei</a:t>
+            </a:r>
+            <a:r>
+              <a:rPr lang="en-US" sz="1600" b="1" i="0" u="none" strike="noStrike" cap="none" dirty="0">
+                <a:solidFill>
+                  <a:srgbClr val="FBEEDC"/>
+                </a:solidFill>
+                <a:latin typeface="Consolas"/>
+                <a:ea typeface="Consolas"/>
+                <a:cs typeface="Consolas"/>
+                <a:sym typeface="Consolas"/>
+              </a:rPr>
+              <a:t>]");</a:t>
+            </a:r>
+            <a:endParaRPr sz="1200" dirty="0"/>
           </a:p>
           <a:p>
             <a:pPr marL="0" marR="0" lvl="0" indent="0" algn="l" rtl="0">
@@ -17335,7 +17695,7 @@
               <a:buNone/>
             </a:pPr>
             <a:r>
-              <a:rPr lang="en-US" sz="1600" b="1" i="0" u="none" strike="noStrike" cap="none">
+              <a:rPr lang="en-US" sz="1600" b="1" i="0" u="none" strike="noStrike" cap="none" dirty="0">
                 <a:solidFill>
                   <a:srgbClr val="FBEEDC"/>
                 </a:solidFill>
@@ -17346,7 +17706,7 @@
               </a:rPr>
               <a:t>}</a:t>
             </a:r>
-            <a:endParaRPr sz="1200"/>
+            <a:endParaRPr sz="1200" dirty="0"/>
           </a:p>
           <a:p>
             <a:pPr marL="0" marR="0" lvl="0" indent="0" algn="l" rtl="0">
@@ -17362,7 +17722,7 @@
               <a:buNone/>
             </a:pPr>
             <a:r>
-              <a:rPr lang="en-US" sz="1600" b="1" i="0" u="none" strike="noStrike" cap="none">
+              <a:rPr lang="en-US" sz="1600" b="1" i="0" u="none" strike="noStrike" cap="none" dirty="0">
                 <a:solidFill>
                   <a:srgbClr val="FBEEDC"/>
                 </a:solidFill>
@@ -17371,9 +17731,57 @@
                 <a:cs typeface="Consolas"/>
                 <a:sym typeface="Consolas"/>
               </a:rPr>
-              <a:t>else if (ch == 'E' || ch == 'e')</a:t>
-            </a:r>
-            <a:endParaRPr sz="1200"/>
+              <a:t>else if (</a:t>
+            </a:r>
+            <a:r>
+              <a:rPr lang="en-US" sz="1600" b="1" i="0" u="none" strike="noStrike" cap="none" dirty="0" err="1">
+                <a:solidFill>
+                  <a:srgbClr val="FBEEDC"/>
+                </a:solidFill>
+                <a:latin typeface="Consolas"/>
+                <a:ea typeface="Consolas"/>
+                <a:cs typeface="Consolas"/>
+                <a:sym typeface="Consolas"/>
+              </a:rPr>
+              <a:t>ch</a:t>
+            </a:r>
+            <a:r>
+              <a:rPr lang="en-US" sz="1600" b="1" i="0" u="none" strike="noStrike" cap="none" dirty="0">
+                <a:solidFill>
+                  <a:srgbClr val="FBEEDC"/>
+                </a:solidFill>
+                <a:latin typeface="Consolas"/>
+                <a:ea typeface="Consolas"/>
+                <a:cs typeface="Consolas"/>
+                <a:sym typeface="Consolas"/>
+              </a:rPr>
+              <a:t> == 'E' || </a:t>
+            </a:r>
+            <a:r>
+              <a:rPr lang="en-US" sz="1600" b="1" i="0" u="none" strike="noStrike" cap="none" dirty="0" err="1">
+                <a:solidFill>
+                  <a:srgbClr val="FBEEDC"/>
+                </a:solidFill>
+                <a:latin typeface="Consolas"/>
+                <a:ea typeface="Consolas"/>
+                <a:cs typeface="Consolas"/>
+                <a:sym typeface="Consolas"/>
+              </a:rPr>
+              <a:t>ch</a:t>
+            </a:r>
+            <a:r>
+              <a:rPr lang="en-US" sz="1600" b="1" i="0" u="none" strike="noStrike" cap="none" dirty="0">
+                <a:solidFill>
+                  <a:srgbClr val="FBEEDC"/>
+                </a:solidFill>
+                <a:latin typeface="Consolas"/>
+                <a:ea typeface="Consolas"/>
+                <a:cs typeface="Consolas"/>
+                <a:sym typeface="Consolas"/>
+              </a:rPr>
+              <a:t> == 'e')</a:t>
+            </a:r>
+            <a:endParaRPr sz="1200" dirty="0"/>
           </a:p>
           <a:p>
             <a:pPr marL="0" marR="0" lvl="0" indent="0" algn="l" rtl="0">
@@ -17389,7 +17797,7 @@
               <a:buNone/>
             </a:pPr>
             <a:r>
-              <a:rPr lang="en-US" sz="1600" b="1" i="0" u="none" strike="noStrike" cap="none">
+              <a:rPr lang="en-US" sz="1600" b="1" i="0" u="none" strike="noStrike" cap="none" dirty="0">
                 <a:solidFill>
                   <a:srgbClr val="FBEEDC"/>
                 </a:solidFill>
@@ -17400,7 +17808,7 @@
               </a:rPr>
               <a:t>{</a:t>
             </a:r>
-            <a:endParaRPr sz="1200"/>
+            <a:endParaRPr sz="1200" dirty="0"/>
           </a:p>
           <a:p>
             <a:pPr marL="0" marR="0" lvl="0" indent="0" algn="l" rtl="0">
@@ -17416,7 +17824,7 @@
               <a:buNone/>
             </a:pPr>
             <a:r>
-              <a:rPr lang="en-US" sz="1600" b="1" i="0" u="none" strike="noStrike" cap="none">
+              <a:rPr lang="en-US" sz="1600" b="1" i="0" u="none" strike="noStrike" cap="none" dirty="0">
                 <a:solidFill>
                   <a:srgbClr val="FBEEDC"/>
                 </a:solidFill>
@@ -17425,9 +17833,57 @@
                 <a:cs typeface="Consolas"/>
                 <a:sym typeface="Consolas"/>
               </a:rPr>
-              <a:t>    Console.WriteLine("Vowel [i:]");</a:t>
-            </a:r>
-            <a:endParaRPr sz="1200"/>
+              <a:t>    </a:t>
+            </a:r>
+            <a:r>
+              <a:rPr lang="en-US" sz="1600" b="1" i="0" u="none" strike="noStrike" cap="none" dirty="0" err="1">
+                <a:solidFill>
+                  <a:srgbClr val="FBEEDC"/>
+                </a:solidFill>
+                <a:latin typeface="Consolas"/>
+                <a:ea typeface="Consolas"/>
+                <a:cs typeface="Consolas"/>
+                <a:sym typeface="Consolas"/>
+              </a:rPr>
+              <a:t>Console.WriteLine</a:t>
+            </a:r>
+            <a:r>
+              <a:rPr lang="en-US" sz="1600" b="1" i="0" u="none" strike="noStrike" cap="none" dirty="0">
+                <a:solidFill>
+                  <a:srgbClr val="FBEEDC"/>
+                </a:solidFill>
+                <a:latin typeface="Consolas"/>
+                <a:ea typeface="Consolas"/>
+                <a:cs typeface="Consolas"/>
+                <a:sym typeface="Consolas"/>
+              </a:rPr>
+              <a:t>("Vowel [</a:t>
+            </a:r>
+            <a:r>
+              <a:rPr lang="en-US" sz="1600" b="1" i="0" u="none" strike="noStrike" cap="none" dirty="0" err="1">
+                <a:solidFill>
+                  <a:srgbClr val="FBEEDC"/>
+                </a:solidFill>
+                <a:latin typeface="Consolas"/>
+                <a:ea typeface="Consolas"/>
+                <a:cs typeface="Consolas"/>
+                <a:sym typeface="Consolas"/>
+              </a:rPr>
+              <a:t>i</a:t>
+            </a:r>
+            <a:r>
+              <a:rPr lang="en-US" sz="1600" b="1" i="0" u="none" strike="noStrike" cap="none" dirty="0">
+                <a:solidFill>
+                  <a:srgbClr val="FBEEDC"/>
+                </a:solidFill>
+                <a:latin typeface="Consolas"/>
+                <a:ea typeface="Consolas"/>
+                <a:cs typeface="Consolas"/>
+                <a:sym typeface="Consolas"/>
+              </a:rPr>
+              <a:t>:]");</a:t>
+            </a:r>
+            <a:endParaRPr sz="1200" dirty="0"/>
           </a:p>
           <a:p>
             <a:pPr marL="0" marR="0" lvl="0" indent="0" algn="l" rtl="0">
@@ -17443,7 +17899,7 @@
               <a:buNone/>
             </a:pPr>
             <a:r>
-              <a:rPr lang="en-US" sz="1600" b="1" i="0" u="none" strike="noStrike" cap="none">
+              <a:rPr lang="en-US" sz="1600" b="1" i="0" u="none" strike="noStrike" cap="none" dirty="0">
                 <a:solidFill>
                   <a:srgbClr val="FBEEDC"/>
                 </a:solidFill>
@@ -17454,7 +17910,7 @@
               </a:rPr>
               <a:t>}</a:t>
             </a:r>
-            <a:endParaRPr sz="1200"/>
+            <a:endParaRPr sz="1200" dirty="0"/>
           </a:p>
           <a:p>
             <a:pPr marL="0" marR="0" lvl="0" indent="0" algn="l" rtl="0">
@@ -17470,7 +17926,7 @@
               <a:buNone/>
             </a:pPr>
             <a:r>
-              <a:rPr lang="en-US" sz="1600" b="1" i="0" u="none" strike="noStrike" cap="none">
+              <a:rPr lang="en-US" sz="1600" b="1" i="0" u="none" strike="noStrike" cap="none" dirty="0">
                 <a:solidFill>
                   <a:srgbClr val="FBEEDC"/>
                 </a:solidFill>
@@ -17481,7 +17937,7 @@
               </a:rPr>
               <a:t>else if  …</a:t>
             </a:r>
-            <a:endParaRPr sz="1200"/>
+            <a:endParaRPr sz="1200" dirty="0"/>
           </a:p>
           <a:p>
             <a:pPr marL="0" marR="0" lvl="0" indent="0" algn="l" rtl="0">
@@ -17497,7 +17953,7 @@
               <a:buNone/>
             </a:pPr>
             <a:r>
-              <a:rPr lang="en-US" sz="1600" b="1" i="0" u="none" strike="noStrike" cap="none">
+              <a:rPr lang="en-US" sz="1600" b="1" i="0" u="none" strike="noStrike" cap="none" dirty="0">
                 <a:solidFill>
                   <a:srgbClr val="FBEEDC"/>
                 </a:solidFill>
@@ -17508,7 +17964,7 @@
               </a:rPr>
               <a:t>else …</a:t>
             </a:r>
-            <a:endParaRPr sz="1200"/>
+            <a:endParaRPr sz="1200" dirty="0"/>
           </a:p>
         </p:txBody>
       </p:sp>
@@ -17741,7 +18197,7 @@
               <a:buNone/>
             </a:pPr>
             <a:r>
-              <a:rPr lang="en-US" sz="1800" b="1" i="0" u="none" strike="noStrike" cap="none">
+              <a:rPr lang="en-US" sz="1800" b="1" i="0" u="none" strike="noStrike" cap="none" dirty="0">
                 <a:solidFill>
                   <a:srgbClr val="FBEEDC"/>
                 </a:solidFill>
@@ -17752,7 +18208,7 @@
               </a:rPr>
               <a:t>switch (day)</a:t>
             </a:r>
-            <a:endParaRPr/>
+            <a:endParaRPr dirty="0"/>
           </a:p>
           <a:p>
             <a:pPr marL="0" marR="0" lvl="0" indent="0" algn="l" rtl="0">
@@ -17768,7 +18224,7 @@
               <a:buNone/>
             </a:pPr>
             <a:r>
-              <a:rPr lang="en-US" sz="1800" b="1" i="0" u="none" strike="noStrike" cap="none">
+              <a:rPr lang="en-US" sz="1800" b="1" i="0" u="none" strike="noStrike" cap="none" dirty="0">
                 <a:solidFill>
                   <a:srgbClr val="FBEEDC"/>
                 </a:solidFill>
@@ -17779,7 +18235,7 @@
               </a:rPr>
               <a:t>{</a:t>
             </a:r>
-            <a:endParaRPr/>
+            <a:endParaRPr dirty="0"/>
           </a:p>
           <a:p>
             <a:pPr marL="0" marR="0" lvl="0" indent="0" algn="l" rtl="0">
@@ -17795,7 +18251,7 @@
               <a:buNone/>
             </a:pPr>
             <a:r>
-              <a:rPr lang="en-US" sz="1800" b="1" i="0" u="none" strike="noStrike" cap="none">
+              <a:rPr lang="en-US" sz="1800" b="1" i="0" u="none" strike="noStrike" cap="none" dirty="0">
                 <a:solidFill>
                   <a:srgbClr val="FBEEDC"/>
                 </a:solidFill>
@@ -17804,9 +18260,33 @@
                 <a:cs typeface="Consolas"/>
                 <a:sym typeface="Consolas"/>
               </a:rPr>
-              <a:t>    case 1: Console.WriteLine("Monday"); break;</a:t>
-            </a:r>
-            <a:endParaRPr/>
+              <a:t>    case 1: </a:t>
+            </a:r>
+            <a:r>
+              <a:rPr lang="en-US" sz="1800" b="1" i="0" u="none" strike="noStrike" cap="none" dirty="0" err="1">
+                <a:solidFill>
+                  <a:srgbClr val="FBEEDC"/>
+                </a:solidFill>
+                <a:latin typeface="Consolas"/>
+                <a:ea typeface="Consolas"/>
+                <a:cs typeface="Consolas"/>
+                <a:sym typeface="Consolas"/>
+              </a:rPr>
+              <a:t>Console.WriteLine</a:t>
+            </a:r>
+            <a:r>
+              <a:rPr lang="en-US" sz="1800" b="1" i="0" u="none" strike="noStrike" cap="none" dirty="0">
+                <a:solidFill>
+                  <a:srgbClr val="FBEEDC"/>
+                </a:solidFill>
+                <a:latin typeface="Consolas"/>
+                <a:ea typeface="Consolas"/>
+                <a:cs typeface="Consolas"/>
+                <a:sym typeface="Consolas"/>
+              </a:rPr>
+              <a:t>("Monday"); break;</a:t>
+            </a:r>
+            <a:endParaRPr dirty="0"/>
           </a:p>
           <a:p>
             <a:pPr marL="0" marR="0" lvl="0" indent="0" algn="l" rtl="0">
@@ -17822,7 +18302,7 @@
               <a:buNone/>
             </a:pPr>
             <a:r>
-              <a:rPr lang="en-US" sz="1800" b="1" i="0" u="none" strike="noStrike" cap="none">
+              <a:rPr lang="en-US" sz="1800" b="1" i="0" u="none" strike="noStrike" cap="none" dirty="0">
                 <a:solidFill>
                   <a:srgbClr val="FBEEDC"/>
                 </a:solidFill>
@@ -17831,9 +18311,33 @@
                 <a:cs typeface="Consolas"/>
                 <a:sym typeface="Consolas"/>
               </a:rPr>
-              <a:t>    case 2: Console.WriteLine("Tuesday"); break;</a:t>
-            </a:r>
-            <a:endParaRPr/>
+              <a:t>    case 2: </a:t>
+            </a:r>
+            <a:r>
+              <a:rPr lang="en-US" sz="1800" b="1" i="0" u="none" strike="noStrike" cap="none" dirty="0" err="1">
+                <a:solidFill>
+                  <a:srgbClr val="FBEEDC"/>
+                </a:solidFill>
+                <a:latin typeface="Consolas"/>
+                <a:ea typeface="Consolas"/>
+                <a:cs typeface="Consolas"/>
+                <a:sym typeface="Consolas"/>
+              </a:rPr>
+              <a:t>Console.WriteLine</a:t>
+            </a:r>
+            <a:r>
+              <a:rPr lang="en-US" sz="1800" b="1" i="0" u="none" strike="noStrike" cap="none" dirty="0">
+                <a:solidFill>
+                  <a:srgbClr val="FBEEDC"/>
+                </a:solidFill>
+                <a:latin typeface="Consolas"/>
+                <a:ea typeface="Consolas"/>
+                <a:cs typeface="Consolas"/>
+                <a:sym typeface="Consolas"/>
+              </a:rPr>
+              <a:t>("Tuesday"); break;</a:t>
+            </a:r>
+            <a:endParaRPr dirty="0"/>
           </a:p>
           <a:p>
             <a:pPr marL="0" marR="0" lvl="0" indent="0" algn="l" rtl="0">
@@ -17849,7 +18353,7 @@
               <a:buNone/>
             </a:pPr>
             <a:r>
-              <a:rPr lang="en-US" sz="1800" b="1" i="0" u="none" strike="noStrike" cap="none">
+              <a:rPr lang="en-US" sz="1800" b="1" i="0" u="none" strike="noStrike" cap="none" dirty="0">
                 <a:solidFill>
                   <a:srgbClr val="FBEEDC"/>
                 </a:solidFill>
@@ -17858,9 +18362,33 @@
                 <a:cs typeface="Consolas"/>
                 <a:sym typeface="Consolas"/>
               </a:rPr>
-              <a:t>    case 3: Console.WriteLine("Wednesday"); break;</a:t>
-            </a:r>
-            <a:endParaRPr/>
+              <a:t>    case 3: </a:t>
+            </a:r>
+            <a:r>
+              <a:rPr lang="en-US" sz="1800" b="1" i="0" u="none" strike="noStrike" cap="none" dirty="0" err="1">
+                <a:solidFill>
+                  <a:srgbClr val="FBEEDC"/>
+                </a:solidFill>
+                <a:latin typeface="Consolas"/>
+                <a:ea typeface="Consolas"/>
+                <a:cs typeface="Consolas"/>
+                <a:sym typeface="Consolas"/>
+              </a:rPr>
+              <a:t>Console.WriteLine</a:t>
+            </a:r>
+            <a:r>
+              <a:rPr lang="en-US" sz="1800" b="1" i="0" u="none" strike="noStrike" cap="none" dirty="0">
+                <a:solidFill>
+                  <a:srgbClr val="FBEEDC"/>
+                </a:solidFill>
+                <a:latin typeface="Consolas"/>
+                <a:ea typeface="Consolas"/>
+                <a:cs typeface="Consolas"/>
+                <a:sym typeface="Consolas"/>
+              </a:rPr>
+              <a:t>("Wednesday"); break;</a:t>
+            </a:r>
+            <a:endParaRPr dirty="0"/>
           </a:p>
           <a:p>
             <a:pPr marL="0" marR="0" lvl="0" indent="0" algn="l" rtl="0">
@@ -17876,7 +18404,7 @@
               <a:buNone/>
             </a:pPr>
             <a:r>
-              <a:rPr lang="en-US" sz="1800" b="1" i="0" u="none" strike="noStrike" cap="none">
+              <a:rPr lang="en-US" sz="1800" b="1" i="0" u="none" strike="noStrike" cap="none" dirty="0">
                 <a:solidFill>
                   <a:srgbClr val="FBEEDC"/>
                 </a:solidFill>
@@ -17885,9 +18413,33 @@
                 <a:cs typeface="Consolas"/>
                 <a:sym typeface="Consolas"/>
               </a:rPr>
-              <a:t>    case 4: Console.WriteLine("Thursday"); break;</a:t>
-            </a:r>
-            <a:endParaRPr/>
+              <a:t>    case 4: </a:t>
+            </a:r>
+            <a:r>
+              <a:rPr lang="en-US" sz="1800" b="1" i="0" u="none" strike="noStrike" cap="none" dirty="0" err="1">
+                <a:solidFill>
+                  <a:srgbClr val="FBEEDC"/>
+                </a:solidFill>
+                <a:latin typeface="Consolas"/>
+                <a:ea typeface="Consolas"/>
+                <a:cs typeface="Consolas"/>
+                <a:sym typeface="Consolas"/>
+              </a:rPr>
+              <a:t>Console.WriteLine</a:t>
+            </a:r>
+            <a:r>
+              <a:rPr lang="en-US" sz="1800" b="1" i="0" u="none" strike="noStrike" cap="none" dirty="0">
+                <a:solidFill>
+                  <a:srgbClr val="FBEEDC"/>
+                </a:solidFill>
+                <a:latin typeface="Consolas"/>
+                <a:ea typeface="Consolas"/>
+                <a:cs typeface="Consolas"/>
+                <a:sym typeface="Consolas"/>
+              </a:rPr>
+              <a:t>("Thursday"); break;</a:t>
+            </a:r>
+            <a:endParaRPr dirty="0"/>
           </a:p>
           <a:p>
             <a:pPr marL="0" marR="0" lvl="0" indent="0" algn="l" rtl="0">
@@ -17903,7 +18455,7 @@
               <a:buNone/>
             </a:pPr>
             <a:r>
-              <a:rPr lang="en-US" sz="1800" b="1" i="0" u="none" strike="noStrike" cap="none">
+              <a:rPr lang="en-US" sz="1800" b="1" i="0" u="none" strike="noStrike" cap="none" dirty="0">
                 <a:solidFill>
                   <a:srgbClr val="FBEEDC"/>
                 </a:solidFill>
@@ -17912,9 +18464,33 @@
                 <a:cs typeface="Consolas"/>
                 <a:sym typeface="Consolas"/>
               </a:rPr>
-              <a:t>    case 5: Console.WriteLine("Friday"); break;</a:t>
-            </a:r>
-            <a:endParaRPr/>
+              <a:t>    case 5: </a:t>
+            </a:r>
+            <a:r>
+              <a:rPr lang="en-US" sz="1800" b="1" i="0" u="none" strike="noStrike" cap="none" dirty="0" err="1">
+                <a:solidFill>
+                  <a:srgbClr val="FBEEDC"/>
+                </a:solidFill>
+                <a:latin typeface="Consolas"/>
+                <a:ea typeface="Consolas"/>
+                <a:cs typeface="Consolas"/>
+                <a:sym typeface="Consolas"/>
+              </a:rPr>
+              <a:t>Console.WriteLine</a:t>
+            </a:r>
+            <a:r>
+              <a:rPr lang="en-US" sz="1800" b="1" i="0" u="none" strike="noStrike" cap="none" dirty="0">
+                <a:solidFill>
+                  <a:srgbClr val="FBEEDC"/>
+                </a:solidFill>
+                <a:latin typeface="Consolas"/>
+                <a:ea typeface="Consolas"/>
+                <a:cs typeface="Consolas"/>
+                <a:sym typeface="Consolas"/>
+              </a:rPr>
+              <a:t>("Friday"); break;</a:t>
+            </a:r>
+            <a:endParaRPr dirty="0"/>
           </a:p>
           <a:p>
             <a:pPr marL="0" marR="0" lvl="0" indent="0" algn="l" rtl="0">
@@ -17930,7 +18506,7 @@
               <a:buNone/>
             </a:pPr>
             <a:r>
-              <a:rPr lang="en-US" sz="1800" b="1" i="0" u="none" strike="noStrike" cap="none">
+              <a:rPr lang="en-US" sz="1800" b="1" i="0" u="none" strike="noStrike" cap="none" dirty="0">
                 <a:solidFill>
                   <a:srgbClr val="FBEEDC"/>
                 </a:solidFill>
@@ -17939,9 +18515,33 @@
                 <a:cs typeface="Consolas"/>
                 <a:sym typeface="Consolas"/>
               </a:rPr>
-              <a:t>    case 6: Console.WriteLine("Saturday"); break;</a:t>
-            </a:r>
-            <a:endParaRPr/>
+              <a:t>    case 6: </a:t>
+            </a:r>
+            <a:r>
+              <a:rPr lang="en-US" sz="1800" b="1" i="0" u="none" strike="noStrike" cap="none" dirty="0" err="1">
+                <a:solidFill>
+                  <a:srgbClr val="FBEEDC"/>
+                </a:solidFill>
+                <a:latin typeface="Consolas"/>
+                <a:ea typeface="Consolas"/>
+                <a:cs typeface="Consolas"/>
+                <a:sym typeface="Consolas"/>
+              </a:rPr>
+              <a:t>Console.WriteLine</a:t>
+            </a:r>
+            <a:r>
+              <a:rPr lang="en-US" sz="1800" b="1" i="0" u="none" strike="noStrike" cap="none" dirty="0">
+                <a:solidFill>
+                  <a:srgbClr val="FBEEDC"/>
+                </a:solidFill>
+                <a:latin typeface="Consolas"/>
+                <a:ea typeface="Consolas"/>
+                <a:cs typeface="Consolas"/>
+                <a:sym typeface="Consolas"/>
+              </a:rPr>
+              <a:t>("Saturday"); break;</a:t>
+            </a:r>
+            <a:endParaRPr dirty="0"/>
           </a:p>
           <a:p>
             <a:pPr marL="0" marR="0" lvl="0" indent="0" algn="l" rtl="0">
@@ -17957,7 +18557,7 @@
               <a:buNone/>
             </a:pPr>
             <a:r>
-              <a:rPr lang="en-US" sz="1800" b="1" i="0" u="none" strike="noStrike" cap="none">
+              <a:rPr lang="en-US" sz="1800" b="1" i="0" u="none" strike="noStrike" cap="none" dirty="0">
                 <a:solidFill>
                   <a:srgbClr val="FBEEDC"/>
                 </a:solidFill>
@@ -17966,9 +18566,33 @@
                 <a:cs typeface="Consolas"/>
                 <a:sym typeface="Consolas"/>
               </a:rPr>
-              <a:t>    case 7: Console.WriteLine("Sunday"); break;</a:t>
-            </a:r>
-            <a:endParaRPr/>
+              <a:t>    case 7: </a:t>
+            </a:r>
+            <a:r>
+              <a:rPr lang="en-US" sz="1800" b="1" i="0" u="none" strike="noStrike" cap="none" dirty="0" err="1">
+                <a:solidFill>
+                  <a:srgbClr val="FBEEDC"/>
+                </a:solidFill>
+                <a:latin typeface="Consolas"/>
+                <a:ea typeface="Consolas"/>
+                <a:cs typeface="Consolas"/>
+                <a:sym typeface="Consolas"/>
+              </a:rPr>
+              <a:t>Console.WriteLine</a:t>
+            </a:r>
+            <a:r>
+              <a:rPr lang="en-US" sz="1800" b="1" i="0" u="none" strike="noStrike" cap="none" dirty="0">
+                <a:solidFill>
+                  <a:srgbClr val="FBEEDC"/>
+                </a:solidFill>
+                <a:latin typeface="Consolas"/>
+                <a:ea typeface="Consolas"/>
+                <a:cs typeface="Consolas"/>
+                <a:sym typeface="Consolas"/>
+              </a:rPr>
+              <a:t>("Sunday"); break;</a:t>
+            </a:r>
+            <a:endParaRPr dirty="0"/>
           </a:p>
           <a:p>
             <a:pPr marL="0" marR="0" lvl="0" indent="0" algn="l" rtl="0">
@@ -17984,7 +18608,7 @@
               <a:buNone/>
             </a:pPr>
             <a:r>
-              <a:rPr lang="en-US" sz="1800" b="1" i="0" u="none" strike="noStrike" cap="none">
+              <a:rPr lang="en-US" sz="1800" b="1" i="0" u="none" strike="noStrike" cap="none" dirty="0">
                 <a:solidFill>
                   <a:srgbClr val="FBEEDC"/>
                 </a:solidFill>
@@ -17993,9 +18617,33 @@
                 <a:cs typeface="Consolas"/>
                 <a:sym typeface="Consolas"/>
               </a:rPr>
-              <a:t>    default: Console.WriteLine("Error!"); break;</a:t>
-            </a:r>
-            <a:endParaRPr/>
+              <a:t>    default: </a:t>
+            </a:r>
+            <a:r>
+              <a:rPr lang="en-US" sz="1800" b="1" i="0" u="none" strike="noStrike" cap="none" dirty="0" err="1">
+                <a:solidFill>
+                  <a:srgbClr val="FBEEDC"/>
+                </a:solidFill>
+                <a:latin typeface="Consolas"/>
+                <a:ea typeface="Consolas"/>
+                <a:cs typeface="Consolas"/>
+                <a:sym typeface="Consolas"/>
+              </a:rPr>
+              <a:t>Console.WriteLine</a:t>
+            </a:r>
+            <a:r>
+              <a:rPr lang="en-US" sz="1800" b="1" i="0" u="none" strike="noStrike" cap="none" dirty="0">
+                <a:solidFill>
+                  <a:srgbClr val="FBEEDC"/>
+                </a:solidFill>
+                <a:latin typeface="Consolas"/>
+                <a:ea typeface="Consolas"/>
+                <a:cs typeface="Consolas"/>
+                <a:sym typeface="Consolas"/>
+              </a:rPr>
+              <a:t>("Error!"); break;</a:t>
+            </a:r>
+            <a:endParaRPr dirty="0"/>
           </a:p>
           <a:p>
             <a:pPr marL="0" marR="0" lvl="0" indent="0" algn="l" rtl="0">
@@ -18011,7 +18659,7 @@
               <a:buNone/>
             </a:pPr>
             <a:r>
-              <a:rPr lang="en-US" sz="1800" b="1" i="0" u="none" strike="noStrike" cap="none">
+              <a:rPr lang="en-US" sz="1800" b="1" i="0" u="none" strike="noStrike" cap="none" dirty="0">
                 <a:solidFill>
                   <a:srgbClr val="FBEEDC"/>
                 </a:solidFill>
@@ -18022,7 +18670,7 @@
               </a:rPr>
               <a:t>}</a:t>
             </a:r>
-            <a:endParaRPr/>
+            <a:endParaRPr dirty="0"/>
           </a:p>
         </p:txBody>
       </p:sp>
@@ -18972,7 +19620,7 @@
               <a:buChar char="•"/>
             </a:pPr>
             <a:r>
-              <a:rPr lang="en-US" sz="3200" b="0" i="0" u="none" strike="noStrike" cap="none">
+              <a:rPr lang="en-US" sz="3200" b="0" i="0" u="none" strike="noStrike" cap="none" dirty="0">
                 <a:solidFill>
                   <a:srgbClr val="D8D8D8"/>
                 </a:solidFill>
@@ -18983,7 +19631,7 @@
               </a:rPr>
               <a:t>Multiple labels allow matching several cases and executing the same statement in more than one case</a:t>
             </a:r>
-            <a:endParaRPr sz="3200" b="0" i="0" u="none" strike="noStrike" cap="none">
+            <a:endParaRPr sz="3200" b="0" i="0" u="none" strike="noStrike" cap="none" dirty="0">
               <a:solidFill>
                 <a:srgbClr val="D8D8D8"/>
               </a:solidFill>
@@ -19113,7 +19761,7 @@
               <a:buNone/>
             </a:pPr>
             <a:r>
-              <a:rPr lang="en-US" sz="1800" b="1" i="0" u="none" strike="noStrike" cap="none">
+              <a:rPr lang="en-US" sz="1800" b="1" i="0" u="none" strike="noStrike" cap="none" dirty="0">
                 <a:solidFill>
                   <a:srgbClr val="FBEEDC"/>
                 </a:solidFill>
@@ -19124,7 +19772,7 @@
               </a:rPr>
               <a:t>switch (animal)</a:t>
             </a:r>
-            <a:endParaRPr sz="1100"/>
+            <a:endParaRPr sz="1100" dirty="0"/>
           </a:p>
           <a:p>
             <a:pPr marL="0" marR="0" lvl="0" indent="0" algn="l" rtl="0">
@@ -19140,7 +19788,7 @@
               <a:buNone/>
             </a:pPr>
             <a:r>
-              <a:rPr lang="en-US" sz="1800" b="1" i="0" u="none" strike="noStrike" cap="none">
+              <a:rPr lang="en-US" sz="1800" b="1" i="0" u="none" strike="noStrike" cap="none" dirty="0">
                 <a:solidFill>
                   <a:srgbClr val="FBEEDC"/>
                 </a:solidFill>
@@ -19151,7 +19799,7 @@
               </a:rPr>
               <a:t>{</a:t>
             </a:r>
-            <a:endParaRPr sz="1100"/>
+            <a:endParaRPr sz="1100" dirty="0"/>
           </a:p>
           <a:p>
             <a:pPr marL="0" marR="0" lvl="0" indent="0" algn="l" rtl="0">
@@ -19167,7 +19815,7 @@
               <a:buNone/>
             </a:pPr>
             <a:r>
-              <a:rPr lang="en-US" sz="1800" b="1" i="0" u="none" strike="noStrike" cap="none">
+              <a:rPr lang="en-US" sz="1800" b="1" i="0" u="none" strike="noStrike" cap="none" dirty="0">
                 <a:solidFill>
                   <a:srgbClr val="FBEEDC"/>
                 </a:solidFill>
@@ -19178,7 +19826,7 @@
               </a:rPr>
               <a:t>    case "dog":</a:t>
             </a:r>
-            <a:endParaRPr sz="1100"/>
+            <a:endParaRPr sz="1100" dirty="0"/>
           </a:p>
           <a:p>
             <a:pPr marL="0" marR="0" lvl="0" indent="0" algn="l" rtl="0">
@@ -19194,7 +19842,7 @@
               <a:buNone/>
             </a:pPr>
             <a:r>
-              <a:rPr lang="en-US" sz="1800" b="1" i="0" u="none" strike="noStrike" cap="none">
+              <a:rPr lang="en-US" sz="1800" b="1" i="0" u="none" strike="noStrike" cap="none" dirty="0">
                 <a:solidFill>
                   <a:srgbClr val="FBEEDC"/>
                 </a:solidFill>
@@ -19203,9 +19851,33 @@
                 <a:cs typeface="Consolas"/>
                 <a:sym typeface="Consolas"/>
               </a:rPr>
-              <a:t>        Console.WriteLine("MAMMAL"); </a:t>
-            </a:r>
-            <a:endParaRPr sz="1100"/>
+              <a:t>        </a:t>
+            </a:r>
+            <a:r>
+              <a:rPr lang="en-US" sz="1800" b="1" i="0" u="none" strike="noStrike" cap="none" dirty="0" err="1">
+                <a:solidFill>
+                  <a:srgbClr val="FBEEDC"/>
+                </a:solidFill>
+                <a:latin typeface="Consolas"/>
+                <a:ea typeface="Consolas"/>
+                <a:cs typeface="Consolas"/>
+                <a:sym typeface="Consolas"/>
+              </a:rPr>
+              <a:t>Console.WriteLine</a:t>
+            </a:r>
+            <a:r>
+              <a:rPr lang="en-US" sz="1800" b="1" i="0" u="none" strike="noStrike" cap="none" dirty="0">
+                <a:solidFill>
+                  <a:srgbClr val="FBEEDC"/>
+                </a:solidFill>
+                <a:latin typeface="Consolas"/>
+                <a:ea typeface="Consolas"/>
+                <a:cs typeface="Consolas"/>
+                <a:sym typeface="Consolas"/>
+              </a:rPr>
+              <a:t>("MAMMAL"); </a:t>
+            </a:r>
+            <a:endParaRPr sz="1100" dirty="0"/>
           </a:p>
           <a:p>
             <a:pPr marL="0" marR="0" lvl="0" indent="0" algn="l" rtl="0">
@@ -19221,7 +19893,7 @@
               <a:buNone/>
             </a:pPr>
             <a:r>
-              <a:rPr lang="en-US" sz="1800" b="1" i="0" u="none" strike="noStrike" cap="none">
+              <a:rPr lang="en-US" sz="1800" b="1" i="0" u="none" strike="noStrike" cap="none" dirty="0">
                 <a:solidFill>
                   <a:srgbClr val="FBEEDC"/>
                 </a:solidFill>
@@ -19232,7 +19904,7 @@
               </a:rPr>
               <a:t>        break;</a:t>
             </a:r>
-            <a:endParaRPr sz="1100"/>
+            <a:endParaRPr sz="1100" dirty="0"/>
           </a:p>
           <a:p>
             <a:pPr marL="0" marR="0" lvl="0" indent="0" algn="l" rtl="0">
@@ -19248,7 +19920,7 @@
               <a:buNone/>
             </a:pPr>
             <a:r>
-              <a:rPr lang="en-US" sz="1800" b="1" i="0" u="none" strike="noStrike" cap="none">
+              <a:rPr lang="en-US" sz="1800" b="1" i="0" u="none" strike="noStrike" cap="none" dirty="0">
                 <a:solidFill>
                   <a:srgbClr val="FBEEDC"/>
                 </a:solidFill>
@@ -19259,7 +19931,7 @@
               </a:rPr>
               <a:t>    case "crocodile":</a:t>
             </a:r>
-            <a:endParaRPr sz="1100"/>
+            <a:endParaRPr sz="1100" dirty="0"/>
           </a:p>
           <a:p>
             <a:pPr marL="0" marR="0" lvl="0" indent="0" algn="l" rtl="0">
@@ -19275,7 +19947,7 @@
               <a:buNone/>
             </a:pPr>
             <a:r>
-              <a:rPr lang="en-US" sz="1800" b="1" i="0" u="none" strike="noStrike" cap="none">
+              <a:rPr lang="en-US" sz="1800" b="1" i="0" u="none" strike="noStrike" cap="none" dirty="0">
                 <a:solidFill>
                   <a:srgbClr val="FBEEDC"/>
                 </a:solidFill>
@@ -19286,7 +19958,7 @@
               </a:rPr>
               <a:t>    case "tortoise":</a:t>
             </a:r>
-            <a:endParaRPr sz="1100"/>
+            <a:endParaRPr sz="1100" dirty="0"/>
           </a:p>
           <a:p>
             <a:pPr marL="0" marR="0" lvl="0" indent="0" algn="l" rtl="0">
@@ -19302,7 +19974,7 @@
               <a:buNone/>
             </a:pPr>
             <a:r>
-              <a:rPr lang="en-US" sz="1800" b="1" i="0" u="none" strike="noStrike" cap="none">
+              <a:rPr lang="en-US" sz="1800" b="1" i="0" u="none" strike="noStrike" cap="none" dirty="0">
                 <a:solidFill>
                   <a:srgbClr val="FBEEDC"/>
                 </a:solidFill>
@@ -19313,7 +19985,7 @@
               </a:rPr>
               <a:t>    case "snake": </a:t>
             </a:r>
-            <a:endParaRPr sz="1100"/>
+            <a:endParaRPr sz="1100" dirty="0"/>
           </a:p>
           <a:p>
             <a:pPr marL="0" marR="0" lvl="0" indent="0" algn="l" rtl="0">
@@ -19329,7 +20001,7 @@
               <a:buNone/>
             </a:pPr>
             <a:r>
-              <a:rPr lang="en-US" sz="1800" b="1" i="0" u="none" strike="noStrike" cap="none">
+              <a:rPr lang="en-US" sz="1800" b="1" i="0" u="none" strike="noStrike" cap="none" dirty="0">
                 <a:solidFill>
                   <a:srgbClr val="FBEEDC"/>
                 </a:solidFill>
@@ -19338,9 +20010,33 @@
                 <a:cs typeface="Consolas"/>
                 <a:sym typeface="Consolas"/>
               </a:rPr>
-              <a:t>        Console.WriteLine("REPTILE"); </a:t>
-            </a:r>
-            <a:endParaRPr sz="1100"/>
+              <a:t>        </a:t>
+            </a:r>
+            <a:r>
+              <a:rPr lang="en-US" sz="1800" b="1" i="0" u="none" strike="noStrike" cap="none" dirty="0" err="1">
+                <a:solidFill>
+                  <a:srgbClr val="FBEEDC"/>
+                </a:solidFill>
+                <a:latin typeface="Consolas"/>
+                <a:ea typeface="Consolas"/>
+                <a:cs typeface="Consolas"/>
+                <a:sym typeface="Consolas"/>
+              </a:rPr>
+              <a:t>Console.WriteLine</a:t>
+            </a:r>
+            <a:r>
+              <a:rPr lang="en-US" sz="1800" b="1" i="0" u="none" strike="noStrike" cap="none" dirty="0">
+                <a:solidFill>
+                  <a:srgbClr val="FBEEDC"/>
+                </a:solidFill>
+                <a:latin typeface="Consolas"/>
+                <a:ea typeface="Consolas"/>
+                <a:cs typeface="Consolas"/>
+                <a:sym typeface="Consolas"/>
+              </a:rPr>
+              <a:t>("REPTILE"); </a:t>
+            </a:r>
+            <a:endParaRPr sz="1100" dirty="0"/>
           </a:p>
           <a:p>
             <a:pPr marL="0" marR="0" lvl="0" indent="0" algn="l" rtl="0">
@@ -19356,7 +20052,7 @@
               <a:buNone/>
             </a:pPr>
             <a:r>
-              <a:rPr lang="en-US" sz="1800" b="1" i="0" u="none" strike="noStrike" cap="none">
+              <a:rPr lang="en-US" sz="1800" b="1" i="0" u="none" strike="noStrike" cap="none" dirty="0">
                 <a:solidFill>
                   <a:srgbClr val="FBEEDC"/>
                 </a:solidFill>
@@ -19367,7 +20063,7 @@
               </a:rPr>
               <a:t>        break;</a:t>
             </a:r>
-            <a:endParaRPr sz="1100"/>
+            <a:endParaRPr sz="1100" dirty="0"/>
           </a:p>
           <a:p>
             <a:pPr marL="0" marR="0" lvl="0" indent="0" algn="l" rtl="0">
@@ -19383,7 +20079,7 @@
               <a:buNone/>
             </a:pPr>
             <a:r>
-              <a:rPr lang="en-US" sz="1800" b="1" i="0" u="none" strike="noStrike" cap="none">
+              <a:rPr lang="en-US" sz="1800" b="1" i="0" u="none" strike="noStrike" cap="none" dirty="0">
                 <a:solidFill>
                   <a:srgbClr val="FBEEDC"/>
                 </a:solidFill>
@@ -19394,7 +20090,7 @@
               </a:rPr>
               <a:t>    default: </a:t>
             </a:r>
-            <a:endParaRPr sz="1100"/>
+            <a:endParaRPr sz="1100" dirty="0"/>
           </a:p>
           <a:p>
             <a:pPr marL="0" marR="0" lvl="0" indent="0" algn="l" rtl="0">
@@ -19410,7 +20106,7 @@
               <a:buNone/>
             </a:pPr>
             <a:r>
-              <a:rPr lang="en-US" sz="1800" b="1" i="0" u="none" strike="noStrike" cap="none">
+              <a:rPr lang="en-US" sz="1800" b="1" i="0" u="none" strike="noStrike" cap="none" dirty="0">
                 <a:solidFill>
                   <a:srgbClr val="FBEEDC"/>
                 </a:solidFill>
@@ -19419,9 +20115,33 @@
                 <a:cs typeface="Consolas"/>
                 <a:sym typeface="Consolas"/>
               </a:rPr>
-              <a:t>        Console.WriteLine("I don't know such animal!"); </a:t>
-            </a:r>
-            <a:endParaRPr sz="1100"/>
+              <a:t>        </a:t>
+            </a:r>
+            <a:r>
+              <a:rPr lang="en-US" sz="1800" b="1" i="0" u="none" strike="noStrike" cap="none" dirty="0" err="1">
+                <a:solidFill>
+                  <a:srgbClr val="FBEEDC"/>
+                </a:solidFill>
+                <a:latin typeface="Consolas"/>
+                <a:ea typeface="Consolas"/>
+                <a:cs typeface="Consolas"/>
+                <a:sym typeface="Consolas"/>
+              </a:rPr>
+              <a:t>Console.WriteLine</a:t>
+            </a:r>
+            <a:r>
+              <a:rPr lang="en-US" sz="1800" b="1" i="0" u="none" strike="noStrike" cap="none" dirty="0">
+                <a:solidFill>
+                  <a:srgbClr val="FBEEDC"/>
+                </a:solidFill>
+                <a:latin typeface="Consolas"/>
+                <a:ea typeface="Consolas"/>
+                <a:cs typeface="Consolas"/>
+                <a:sym typeface="Consolas"/>
+              </a:rPr>
+              <a:t>("I don't know such animal!"); </a:t>
+            </a:r>
+            <a:endParaRPr sz="1100" dirty="0"/>
           </a:p>
           <a:p>
             <a:pPr marL="0" marR="0" lvl="0" indent="0" algn="l" rtl="0">
@@ -19437,7 +20157,7 @@
               <a:buNone/>
             </a:pPr>
             <a:r>
-              <a:rPr lang="en-US" sz="1800" b="1" i="0" u="none" strike="noStrike" cap="none">
+              <a:rPr lang="en-US" sz="1800" b="1" i="0" u="none" strike="noStrike" cap="none" dirty="0">
                 <a:solidFill>
                   <a:srgbClr val="FBEEDC"/>
                 </a:solidFill>
@@ -19448,7 +20168,7 @@
               </a:rPr>
               <a:t>        break;</a:t>
             </a:r>
-            <a:endParaRPr sz="1100"/>
+            <a:endParaRPr sz="1100" dirty="0"/>
           </a:p>
           <a:p>
             <a:pPr marL="0" marR="0" lvl="0" indent="0" algn="l" rtl="0">
@@ -19464,7 +20184,7 @@
               <a:buNone/>
             </a:pPr>
             <a:r>
-              <a:rPr lang="en-US" sz="1800" b="1" i="0" u="none" strike="noStrike" cap="none">
+              <a:rPr lang="en-US" sz="1800" b="1" i="0" u="none" strike="noStrike" cap="none" dirty="0">
                 <a:solidFill>
                   <a:srgbClr val="FBEEDC"/>
                 </a:solidFill>
@@ -19475,7 +20195,7 @@
               </a:rPr>
               <a:t>}</a:t>
             </a:r>
-            <a:endParaRPr sz="1100"/>
+            <a:endParaRPr sz="1100" dirty="0"/>
           </a:p>
         </p:txBody>
       </p:sp>
@@ -19944,7 +20664,7 @@
               <a:buChar char="•"/>
             </a:pPr>
             <a:r>
-              <a:rPr lang="en-US" sz="2000" b="0" i="0" u="none" strike="noStrike" cap="none">
+              <a:rPr lang="en-US" sz="2000" b="0" i="0" u="none" strike="noStrike" cap="none" dirty="0">
                 <a:solidFill>
                   <a:srgbClr val="D8D8D8"/>
                 </a:solidFill>
@@ -19956,7 +20676,7 @@
               <a:t>There must be a separate </a:t>
             </a:r>
             <a:r>
-              <a:rPr lang="en-US" sz="2000" b="1" i="0" u="none" strike="noStrike" cap="none">
+              <a:rPr lang="en-US" sz="2000" b="1" i="0" u="none" strike="noStrike" cap="none" dirty="0">
                 <a:solidFill>
                   <a:schemeClr val="accent2"/>
                 </a:solidFill>
@@ -19968,7 +20688,7 @@
               <a:t>case</a:t>
             </a:r>
             <a:r>
-              <a:rPr lang="en-US" sz="2000" b="0" i="0" u="none" strike="noStrike" cap="none">
+              <a:rPr lang="en-US" sz="2000" b="0" i="0" u="none" strike="noStrike" cap="none" dirty="0">
                 <a:solidFill>
                   <a:srgbClr val="A5A5A5"/>
                 </a:solidFill>
@@ -19980,7 +20700,7 @@
               <a:t> </a:t>
             </a:r>
             <a:r>
-              <a:rPr lang="en-US" sz="2000" b="0" i="0" u="none" strike="noStrike" cap="none">
+              <a:rPr lang="en-US" sz="2000" b="0" i="0" u="none" strike="noStrike" cap="none" dirty="0">
                 <a:solidFill>
                   <a:srgbClr val="D8D8D8"/>
                 </a:solidFill>
@@ -19991,7 +20711,7 @@
               </a:rPr>
               <a:t>for every normal situation</a:t>
             </a:r>
-            <a:endParaRPr/>
+            <a:endParaRPr dirty="0"/>
           </a:p>
           <a:p>
             <a:pPr marL="228600" marR="0" lvl="0" indent="-228600" algn="l" rtl="0">
@@ -20012,7 +20732,7 @@
               <a:buChar char="•"/>
             </a:pPr>
             <a:r>
-              <a:rPr lang="en-US" sz="2000" b="0" i="0" u="none" strike="noStrike" cap="none">
+              <a:rPr lang="en-US" sz="2000" b="0" i="0" u="none" strike="noStrike" cap="none" dirty="0">
                 <a:solidFill>
                   <a:srgbClr val="D8D8D8"/>
                 </a:solidFill>
@@ -20023,7 +20743,7 @@
               </a:rPr>
               <a:t>Put the normal case first</a:t>
             </a:r>
-            <a:endParaRPr/>
+            <a:endParaRPr dirty="0"/>
           </a:p>
           <a:p>
             <a:pPr marL="594360" marR="0" lvl="1" indent="-228600" algn="l" rtl="0">
@@ -20044,7 +20764,7 @@
               <a:buChar char="•"/>
             </a:pPr>
             <a:r>
-              <a:rPr lang="en-US" sz="1800" b="0" i="0" u="none" strike="noStrike" cap="none">
+              <a:rPr lang="en-US" sz="1800" b="0" i="0" u="none" strike="noStrike" cap="none" dirty="0">
                 <a:solidFill>
                   <a:srgbClr val="D8D8D8"/>
                 </a:solidFill>
@@ -20055,7 +20775,7 @@
               </a:rPr>
               <a:t>Put the most frequently executed cases first and the least frequently executed last</a:t>
             </a:r>
-            <a:endParaRPr/>
+            <a:endParaRPr dirty="0"/>
           </a:p>
           <a:p>
             <a:pPr marL="228600" marR="0" lvl="0" indent="-228600" algn="l" rtl="0">
@@ -20076,7 +20796,7 @@
               <a:buChar char="•"/>
             </a:pPr>
             <a:r>
-              <a:rPr lang="en-US" sz="2000" b="0" i="0" u="none" strike="noStrike" cap="none">
+              <a:rPr lang="en-US" sz="2000" b="0" i="0" u="none" strike="noStrike" cap="none" dirty="0">
                 <a:solidFill>
                   <a:srgbClr val="D8D8D8"/>
                 </a:solidFill>
@@ -20087,7 +20807,7 @@
               </a:rPr>
               <a:t>Order cases alphabetically or numerically</a:t>
             </a:r>
-            <a:endParaRPr/>
+            <a:endParaRPr dirty="0"/>
           </a:p>
           <a:p>
             <a:pPr marL="228600" marR="0" lvl="0" indent="-228600" algn="l" rtl="0">
@@ -20108,7 +20828,7 @@
               <a:buChar char="•"/>
             </a:pPr>
             <a:r>
-              <a:rPr lang="en-US" sz="2000" b="0" i="0" u="none" strike="noStrike" cap="none">
+              <a:rPr lang="en-US" sz="2000" b="0" i="0" u="none" strike="noStrike" cap="none" dirty="0">
                 <a:solidFill>
                   <a:srgbClr val="D8D8D8"/>
                 </a:solidFill>
@@ -20120,7 +20840,7 @@
               <a:t>In </a:t>
             </a:r>
             <a:r>
-              <a:rPr lang="en-US" sz="2000" b="1" i="0" u="none" strike="noStrike" cap="none">
+              <a:rPr lang="en-US" sz="2000" b="1" i="0" u="none" strike="noStrike" cap="none" dirty="0">
                 <a:solidFill>
                   <a:schemeClr val="accent2"/>
                 </a:solidFill>
@@ -20132,7 +20852,7 @@
               <a:t>default</a:t>
             </a:r>
             <a:r>
-              <a:rPr lang="en-US" sz="2000" b="0" i="0" u="none" strike="noStrike" cap="none">
+              <a:rPr lang="en-US" sz="2000" b="0" i="0" u="none" strike="noStrike" cap="none" dirty="0">
                 <a:solidFill>
                   <a:srgbClr val="D8D8D8"/>
                 </a:solidFill>
@@ -20143,7 +20863,7 @@
               </a:rPr>
               <a:t> use case that cannot be reached under normal circumstances</a:t>
             </a:r>
-            <a:endParaRPr sz="2000" b="0" i="0" u="none" strike="noStrike" cap="none">
+            <a:endParaRPr sz="2000" b="0" i="0" u="none" strike="noStrike" cap="none" dirty="0">
               <a:solidFill>
                 <a:srgbClr val="D8D8D8"/>
               </a:solidFill>
@@ -20751,7 +21471,7 @@
               <a:buChar char="•"/>
             </a:pPr>
             <a:r>
-              <a:rPr lang="en-US" sz="2000" b="0" i="0" u="none" strike="noStrike" cap="none">
+              <a:rPr lang="en-US" sz="2000" b="0" i="0" u="none" strike="noStrike" cap="none" dirty="0">
                 <a:solidFill>
                   <a:srgbClr val="D8D8D8"/>
                 </a:solidFill>
@@ -20762,7 +21482,7 @@
               </a:rPr>
               <a:t>Write a console program asking about three sides of the triangle and check:</a:t>
             </a:r>
-            <a:endParaRPr/>
+            <a:endParaRPr dirty="0"/>
           </a:p>
           <a:p>
             <a:pPr marL="594360" marR="0" lvl="1" indent="-228600" algn="l" rtl="0">
@@ -20783,7 +21503,7 @@
               <a:buChar char="•"/>
             </a:pPr>
             <a:r>
-              <a:rPr lang="en-US" sz="1800" b="0" i="0" u="none" strike="noStrike" cap="none">
+              <a:rPr lang="en-US" sz="1800" b="0" i="0" u="none" strike="noStrike" cap="none" dirty="0">
                 <a:solidFill>
                   <a:srgbClr val="D8D8D8"/>
                 </a:solidFill>
@@ -20794,7 +21514,7 @@
               </a:rPr>
               <a:t>If 2 of the sides are equal and print the result </a:t>
             </a:r>
-            <a:endParaRPr/>
+            <a:endParaRPr dirty="0"/>
           </a:p>
           <a:p>
             <a:pPr marL="594360" marR="0" lvl="1" indent="-228600" algn="l" rtl="0">
@@ -20815,7 +21535,7 @@
               <a:buChar char="•"/>
             </a:pPr>
             <a:r>
-              <a:rPr lang="en-US" sz="1800" b="0" i="0" u="none" strike="noStrike" cap="none">
+              <a:rPr lang="en-US" sz="1800" b="0" i="0" u="none" strike="noStrike" cap="none" dirty="0">
                 <a:solidFill>
                   <a:srgbClr val="D8D8D8"/>
                 </a:solidFill>
@@ -20826,7 +21546,7 @@
               </a:rPr>
               <a:t>If 3 of the sides are equal and print the result</a:t>
             </a:r>
-            <a:endParaRPr/>
+            <a:endParaRPr dirty="0"/>
           </a:p>
           <a:p>
             <a:pPr marL="594360" marR="0" lvl="1" indent="-228600" algn="l" rtl="0">
@@ -20847,7 +21567,7 @@
               <a:buChar char="•"/>
             </a:pPr>
             <a:r>
-              <a:rPr lang="en-US" sz="1800" b="0" i="0" u="none" strike="noStrike" cap="none">
+              <a:rPr lang="en-US" sz="1800" b="0" i="0" u="none" strike="noStrike" cap="none" dirty="0">
                 <a:solidFill>
                   <a:srgbClr val="D8D8D8"/>
                 </a:solidFill>
@@ -20858,7 +21578,7 @@
               </a:rPr>
               <a:t>If there are 2 or more equal sides – print their names</a:t>
             </a:r>
-            <a:endParaRPr/>
+            <a:endParaRPr dirty="0"/>
           </a:p>
           <a:p>
             <a:pPr marL="594360" marR="0" lvl="1" indent="-114300" algn="l" rtl="0">
@@ -20878,7 +21598,7 @@
               <a:buFont typeface="Arial"/>
               <a:buNone/>
             </a:pPr>
-            <a:endParaRPr sz="1800" b="0" i="0" u="none" strike="noStrike" cap="none">
+            <a:endParaRPr sz="1800" b="0" i="0" u="none" strike="noStrike" cap="none" dirty="0">
               <a:solidFill>
                 <a:srgbClr val="D8D8D8"/>
               </a:solidFill>
@@ -21325,7 +22045,7 @@
               <a:buChar char="•"/>
             </a:pPr>
             <a:r>
-              <a:rPr lang="en-US" sz="2000" b="0" i="0" u="none" strike="noStrike" cap="none">
+              <a:rPr lang="en-US" sz="2000" b="0" i="0" u="none" strike="noStrike" cap="none" dirty="0">
                 <a:solidFill>
                   <a:srgbClr val="D8D8D8"/>
                 </a:solidFill>
@@ -21336,7 +22056,7 @@
               </a:rPr>
               <a:t>Create a program to help people to choose appropriate sport.</a:t>
             </a:r>
-            <a:endParaRPr/>
+            <a:endParaRPr dirty="0"/>
           </a:p>
           <a:p>
             <a:pPr marL="228600" marR="0" lvl="0" indent="-228600" algn="l" rtl="0">
@@ -21357,7 +22077,7 @@
               <a:buChar char="•"/>
             </a:pPr>
             <a:r>
-              <a:rPr lang="en-US" sz="2000" b="0" i="0" u="none" strike="noStrike" cap="none">
+              <a:rPr lang="en-US" sz="2000" b="0" i="0" u="none" strike="noStrike" cap="none" dirty="0">
                 <a:solidFill>
                   <a:srgbClr val="D8D8D8"/>
                 </a:solidFill>
@@ -21368,7 +22088,7 @@
               </a:rPr>
               <a:t>Program should allow user to enter his height in centimeters</a:t>
             </a:r>
-            <a:endParaRPr/>
+            <a:endParaRPr dirty="0"/>
           </a:p>
           <a:p>
             <a:pPr marL="594360" marR="0" lvl="1" indent="-228600" algn="l" rtl="0">
@@ -21389,7 +22109,7 @@
               <a:buChar char="•"/>
             </a:pPr>
             <a:r>
-              <a:rPr lang="en-US" sz="1800" b="0" i="0" u="none" strike="noStrike" cap="none">
+              <a:rPr lang="en-US" sz="1800" b="0" i="0" u="none" strike="noStrike" cap="none" dirty="0">
                 <a:solidFill>
                   <a:srgbClr val="D8D8D8"/>
                 </a:solidFill>
@@ -21400,7 +22120,7 @@
               </a:rPr>
               <a:t>If height is bigger than 190 to display Basketball</a:t>
             </a:r>
-            <a:endParaRPr/>
+            <a:endParaRPr dirty="0"/>
           </a:p>
           <a:p>
             <a:pPr marL="594360" marR="0" lvl="1" indent="-228600" algn="l" rtl="0">
@@ -21421,7 +22141,7 @@
               <a:buChar char="•"/>
             </a:pPr>
             <a:r>
-              <a:rPr lang="en-US" sz="1800" b="0" i="0" u="none" strike="noStrike" cap="none">
+              <a:rPr lang="en-US" sz="1800" b="0" i="0" u="none" strike="noStrike" cap="none" dirty="0">
                 <a:solidFill>
                   <a:srgbClr val="D8D8D8"/>
                 </a:solidFill>
@@ -21432,7 +22152,7 @@
               </a:rPr>
               <a:t>If height is between 175 and 190 to display Athletics</a:t>
             </a:r>
-            <a:endParaRPr/>
+            <a:endParaRPr dirty="0"/>
           </a:p>
           <a:p>
             <a:pPr marL="594360" marR="0" lvl="1" indent="-228600" algn="l" rtl="0">
@@ -21453,7 +22173,7 @@
               <a:buChar char="•"/>
             </a:pPr>
             <a:r>
-              <a:rPr lang="en-US" sz="1800" b="0" i="0" u="none" strike="noStrike" cap="none">
+              <a:rPr lang="en-US" sz="1800" b="0" i="0" u="none" strike="noStrike" cap="none" dirty="0">
                 <a:solidFill>
                   <a:srgbClr val="D8D8D8"/>
                 </a:solidFill>
@@ -21464,7 +22184,7 @@
               </a:rPr>
               <a:t>If height is below 175 to display Horse riding</a:t>
             </a:r>
-            <a:endParaRPr sz="1800" b="0" i="0" u="none" strike="noStrike" cap="none">
+            <a:endParaRPr sz="1800" b="0" i="0" u="none" strike="noStrike" cap="none" dirty="0">
               <a:solidFill>
                 <a:srgbClr val="D8D8D8"/>
               </a:solidFill>
@@ -21998,7 +22718,15 @@
             <a:pPr lvl="1"/>
             <a:r>
               <a:rPr lang="en-US" sz="1600" dirty="0"/>
-              <a:t>First name – string, required, max length = 100</a:t>
+              <a:t>First name – string, required, max length = 100 (</a:t>
+            </a:r>
+            <a:r>
+              <a:rPr lang="en-US" sz="1600" dirty="0" err="1"/>
+              <a:t>firstName.Lenght</a:t>
+            </a:r>
+            <a:r>
+              <a:rPr lang="en-US" sz="1600" dirty="0"/>
+              <a:t>)</a:t>
             </a:r>
           </a:p>
           <a:p>
@@ -22013,15 +22741,36 @@
             <a:pPr lvl="1"/>
             <a:r>
               <a:rPr lang="en-US" sz="1600" dirty="0"/>
-              <a:t>Date of birth – date time, limit now - 100 years</a:t>
+              <a:t>Date of birth – date time, limit now - 100 years (</a:t>
+            </a:r>
+            <a:r>
+              <a:rPr lang="en-US" sz="1600" dirty="0" err="1"/>
+              <a:t>DateTime.Parse</a:t>
+            </a:r>
+            <a:r>
+              <a:rPr lang="en-US" sz="1600" dirty="0"/>
+              <a:t>(</a:t>
+            </a:r>
+            <a:r>
+              <a:rPr lang="en-US" sz="1600" dirty="0" err="1"/>
+              <a:t>stringDate</a:t>
+            </a:r>
+            <a:r>
+              <a:rPr lang="en-US" sz="1600" dirty="0"/>
+              <a:t>))</a:t>
             </a:r>
           </a:p>
           <a:p>
             <a:pPr lvl="1"/>
             <a:r>
               <a:rPr lang="en-US" sz="1600" dirty="0"/>
-              <a:t>Student number – string, length 12, format YYYYFFSSNNNN</a:t>
-            </a:r>
+              <a:t>Student number – string, length 12, </a:t>
+            </a:r>
+            <a:r>
+              <a:rPr lang="en-US" sz="1600"/>
+              <a:t>format YYYYFFSSNNNN ***</a:t>
+            </a:r>
+            <a:endParaRPr lang="en-US" sz="1600" dirty="0"/>
           </a:p>
           <a:p>
             <a:pPr lvl="2"/>
@@ -22034,13 +22783,8 @@
             <a:pPr lvl="2"/>
             <a:r>
               <a:rPr lang="en-US" sz="1400" dirty="0"/>
-              <a:t>FF – code of faculty – range 01 </a:t>
-            </a:r>
-            <a:r>
-              <a:rPr lang="en-US" sz="1400"/>
-              <a:t>to 09</a:t>
-            </a:r>
-            <a:endParaRPr lang="en-US" sz="1400" dirty="0"/>
+              <a:t>FF – code of faculty – range 01 to 09</a:t>
+            </a:r>
           </a:p>
           <a:p>
             <a:pPr lvl="2"/>
@@ -22097,7 +22841,7 @@
         </p:nvGraphicFramePr>
         <p:xfrm>
           <a:off x="1001826" y="1143000"/>
-          <a:ext cx="3000000" cy="3000000"/>
+          <a:ext cx="9970975" cy="3745160"/>
         </p:xfrm>
         <a:graphic>
           <a:graphicData uri="http://schemas.openxmlformats.org/drawingml/2006/table">
@@ -24222,7 +24966,7 @@
         </p:nvGraphicFramePr>
         <p:xfrm>
           <a:off x="1018308" y="1059918"/>
-          <a:ext cx="3000000" cy="3000000"/>
+          <a:ext cx="10134600" cy="3404400"/>
         </p:xfrm>
         <a:graphic>
           <a:graphicData uri="http://schemas.openxmlformats.org/drawingml/2006/table">
